--- a/img/layout beacon positioning .pptx
+++ b/img/layout beacon positioning .pptx
@@ -7,7 +7,8 @@
   <p:sldIdLst>
     <p:sldId id="256" r:id="rId2"/>
     <p:sldId id="257" r:id="rId3"/>
-    <p:sldId id="258" r:id="rId4"/>
+    <p:sldId id="259" r:id="rId4"/>
+    <p:sldId id="258" r:id="rId5"/>
   </p:sldIdLst>
   <p:sldSz cx="12192000" cy="6858000"/>
   <p:notesSz cx="6858000" cy="9144000"/>
@@ -4205,10 +4206,10 @@
       </p:grpSpPr>
       <p:grpSp>
         <p:nvGrpSpPr>
-          <p:cNvPr id="20" name="Group 19">
+          <p:cNvPr id="46" name="Group 45">
             <a:extLst>
               <a:ext uri="{FF2B5EF4-FFF2-40B4-BE49-F238E27FC236}">
-                <a16:creationId xmlns:a16="http://schemas.microsoft.com/office/drawing/2014/main" id="{2DE06587-1E96-4646-9E8E-67068BDF5934}"/>
+                <a16:creationId xmlns:a16="http://schemas.microsoft.com/office/drawing/2014/main" id="{CB5DDF97-9323-984B-A7B1-5671F7FBA0B6}"/>
               </a:ext>
             </a:extLst>
           </p:cNvPr>
@@ -4217,18 +4218,18 @@
         </p:nvGrpSpPr>
         <p:grpSpPr>
           <a:xfrm>
-            <a:off x="264695" y="1022685"/>
-            <a:ext cx="11484647" cy="2716920"/>
-            <a:chOff x="264695" y="228600"/>
-            <a:chExt cx="11484647" cy="2716920"/>
+            <a:off x="264693" y="165360"/>
+            <a:ext cx="11484649" cy="3574245"/>
+            <a:chOff x="264693" y="165360"/>
+            <a:chExt cx="11484649" cy="3574245"/>
           </a:xfrm>
         </p:grpSpPr>
         <p:grpSp>
           <p:nvGrpSpPr>
-            <p:cNvPr id="23" name="Group 22">
+            <p:cNvPr id="20" name="Group 19">
               <a:extLst>
                 <a:ext uri="{FF2B5EF4-FFF2-40B4-BE49-F238E27FC236}">
-                  <a16:creationId xmlns:a16="http://schemas.microsoft.com/office/drawing/2014/main" id="{FBE17CD0-7A67-3A4E-94CA-D84BC2F3095F}"/>
+                  <a16:creationId xmlns:a16="http://schemas.microsoft.com/office/drawing/2014/main" id="{2DE06587-1E96-4646-9E8E-67068BDF5934}"/>
                 </a:ext>
               </a:extLst>
             </p:cNvPr>
@@ -4237,18 +4238,325 @@
           </p:nvGrpSpPr>
           <p:grpSpPr>
             <a:xfrm>
-              <a:off x="264695" y="228600"/>
-              <a:ext cx="4001631" cy="2407022"/>
+              <a:off x="264695" y="1022685"/>
+              <a:ext cx="11484647" cy="2716920"/>
               <a:chOff x="264695" y="228600"/>
-              <a:chExt cx="4001631" cy="2407022"/>
+              <a:chExt cx="11484647" cy="2716920"/>
             </a:xfrm>
           </p:grpSpPr>
+          <p:grpSp>
+            <p:nvGrpSpPr>
+              <p:cNvPr id="23" name="Group 22">
+                <a:extLst>
+                  <a:ext uri="{FF2B5EF4-FFF2-40B4-BE49-F238E27FC236}">
+                    <a16:creationId xmlns:a16="http://schemas.microsoft.com/office/drawing/2014/main" id="{FBE17CD0-7A67-3A4E-94CA-D84BC2F3095F}"/>
+                  </a:ext>
+                </a:extLst>
+              </p:cNvPr>
+              <p:cNvGrpSpPr/>
+              <p:nvPr/>
+            </p:nvGrpSpPr>
+            <p:grpSpPr>
+              <a:xfrm>
+                <a:off x="264695" y="228600"/>
+                <a:ext cx="4001631" cy="2407022"/>
+                <a:chOff x="264695" y="228600"/>
+                <a:chExt cx="4001631" cy="2407022"/>
+              </a:xfrm>
+            </p:grpSpPr>
+            <p:sp>
+              <p:nvSpPr>
+                <p:cNvPr id="31" name="TextBox 30">
+                  <a:extLst>
+                    <a:ext uri="{FF2B5EF4-FFF2-40B4-BE49-F238E27FC236}">
+                      <a16:creationId xmlns:a16="http://schemas.microsoft.com/office/drawing/2014/main" id="{598F9E52-73CD-4E4A-9554-B20A9AFE1CC9}"/>
+                    </a:ext>
+                  </a:extLst>
+                </p:cNvPr>
+                <p:cNvSpPr txBox="1"/>
+                <p:nvPr/>
+              </p:nvSpPr>
+              <p:spPr>
+                <a:xfrm>
+                  <a:off x="264695" y="228600"/>
+                  <a:ext cx="2157898" cy="369332"/>
+                </a:xfrm>
+                <a:prstGeom prst="rect">
+                  <a:avLst/>
+                </a:prstGeom>
+                <a:ln w="28575"/>
+              </p:spPr>
+              <p:style>
+                <a:lnRef idx="2">
+                  <a:schemeClr val="accent2"/>
+                </a:lnRef>
+                <a:fillRef idx="1">
+                  <a:schemeClr val="lt1"/>
+                </a:fillRef>
+                <a:effectRef idx="0">
+                  <a:schemeClr val="accent2"/>
+                </a:effectRef>
+                <a:fontRef idx="minor">
+                  <a:schemeClr val="dk1"/>
+                </a:fontRef>
+              </p:style>
+              <p:txBody>
+                <a:bodyPr wrap="none" rtlCol="0">
+                  <a:spAutoFit/>
+                </a:bodyPr>
+                <a:lstStyle/>
+                <a:p>
+                  <a:r>
+                    <a:rPr lang="en-US" b="1" dirty="0"/>
+                    <a:t>Beacon </a:t>
+                  </a:r>
+                  <a:r>
+                    <a:rPr lang="en-US" b="1" dirty="0" err="1"/>
+                    <a:t>Visualisation</a:t>
+                  </a:r>
+                  <a:endParaRPr lang="en-US" b="1" dirty="0"/>
+                </a:p>
+              </p:txBody>
+            </p:sp>
+            <p:cxnSp>
+              <p:nvCxnSpPr>
+                <p:cNvPr id="32" name="Elbow Connector 31">
+                  <a:extLst>
+                    <a:ext uri="{FF2B5EF4-FFF2-40B4-BE49-F238E27FC236}">
+                      <a16:creationId xmlns:a16="http://schemas.microsoft.com/office/drawing/2014/main" id="{4E149B44-B515-3143-B6B8-0B3B9F2F0F39}"/>
+                    </a:ext>
+                  </a:extLst>
+                </p:cNvPr>
+                <p:cNvCxnSpPr>
+                  <a:cxnSpLocks/>
+                  <a:stCxn id="31" idx="2"/>
+                </p:cNvCxnSpPr>
+                <p:nvPr/>
+              </p:nvCxnSpPr>
+              <p:spPr>
+                <a:xfrm rot="16200000" flipH="1">
+                  <a:off x="1591188" y="350388"/>
+                  <a:ext cx="494564" cy="989652"/>
+                </a:xfrm>
+                <a:prstGeom prst="bentConnector2">
+                  <a:avLst/>
+                </a:prstGeom>
+                <a:ln w="28575">
+                  <a:tailEnd type="triangle"/>
+                </a:ln>
+              </p:spPr>
+              <p:style>
+                <a:lnRef idx="1">
+                  <a:schemeClr val="accent2"/>
+                </a:lnRef>
+                <a:fillRef idx="0">
+                  <a:schemeClr val="accent2"/>
+                </a:fillRef>
+                <a:effectRef idx="0">
+                  <a:schemeClr val="accent2"/>
+                </a:effectRef>
+                <a:fontRef idx="minor">
+                  <a:schemeClr val="tx1"/>
+                </a:fontRef>
+              </p:style>
+            </p:cxnSp>
+            <p:sp>
+              <p:nvSpPr>
+                <p:cNvPr id="33" name="TextBox 32">
+                  <a:extLst>
+                    <a:ext uri="{FF2B5EF4-FFF2-40B4-BE49-F238E27FC236}">
+                      <a16:creationId xmlns:a16="http://schemas.microsoft.com/office/drawing/2014/main" id="{53E3F7C3-D94D-834F-985C-5F1DD66E4570}"/>
+                    </a:ext>
+                  </a:extLst>
+                </p:cNvPr>
+                <p:cNvSpPr txBox="1"/>
+                <p:nvPr/>
+              </p:nvSpPr>
+              <p:spPr>
+                <a:xfrm>
+                  <a:off x="2333296" y="907830"/>
+                  <a:ext cx="1933030" cy="369332"/>
+                </a:xfrm>
+                <a:prstGeom prst="rect">
+                  <a:avLst/>
+                </a:prstGeom>
+                <a:ln w="28575"/>
+              </p:spPr>
+              <p:style>
+                <a:lnRef idx="2">
+                  <a:schemeClr val="accent2"/>
+                </a:lnRef>
+                <a:fillRef idx="1">
+                  <a:schemeClr val="lt1"/>
+                </a:fillRef>
+                <a:effectRef idx="0">
+                  <a:schemeClr val="accent2"/>
+                </a:effectRef>
+                <a:fontRef idx="minor">
+                  <a:schemeClr val="dk1"/>
+                </a:fontRef>
+              </p:style>
+              <p:txBody>
+                <a:bodyPr wrap="none" rtlCol="0">
+                  <a:spAutoFit/>
+                </a:bodyPr>
+                <a:lstStyle/>
+                <a:p>
+                  <a:r>
+                    <a:rPr lang="en-US" b="1" dirty="0"/>
+                    <a:t>Beacon List Modal</a:t>
+                  </a:r>
+                </a:p>
+              </p:txBody>
+            </p:sp>
+            <p:sp>
+              <p:nvSpPr>
+                <p:cNvPr id="34" name="TextBox 33">
+                  <a:extLst>
+                    <a:ext uri="{FF2B5EF4-FFF2-40B4-BE49-F238E27FC236}">
+                      <a16:creationId xmlns:a16="http://schemas.microsoft.com/office/drawing/2014/main" id="{0EF5F7D1-6D06-C04D-826D-614BDF24EF15}"/>
+                    </a:ext>
+                  </a:extLst>
+                </p:cNvPr>
+                <p:cNvSpPr txBox="1"/>
+                <p:nvPr/>
+              </p:nvSpPr>
+              <p:spPr>
+                <a:xfrm>
+                  <a:off x="2333295" y="1587060"/>
+                  <a:ext cx="1933031" cy="369332"/>
+                </a:xfrm>
+                <a:prstGeom prst="rect">
+                  <a:avLst/>
+                </a:prstGeom>
+                <a:ln w="28575"/>
+              </p:spPr>
+              <p:style>
+                <a:lnRef idx="2">
+                  <a:schemeClr val="accent2"/>
+                </a:lnRef>
+                <a:fillRef idx="1">
+                  <a:schemeClr val="lt1"/>
+                </a:fillRef>
+                <a:effectRef idx="0">
+                  <a:schemeClr val="accent2"/>
+                </a:effectRef>
+                <a:fontRef idx="minor">
+                  <a:schemeClr val="dk1"/>
+                </a:fontRef>
+              </p:style>
+              <p:txBody>
+                <a:bodyPr wrap="square" rtlCol="0">
+                  <a:spAutoFit/>
+                </a:bodyPr>
+                <a:lstStyle/>
+                <a:p>
+                  <a:r>
+                    <a:rPr lang="en-US" b="1" dirty="0"/>
+                    <a:t>Leaflet</a:t>
+                  </a:r>
+                </a:p>
+              </p:txBody>
+            </p:sp>
+            <p:cxnSp>
+              <p:nvCxnSpPr>
+                <p:cNvPr id="35" name="Elbow Connector 34">
+                  <a:extLst>
+                    <a:ext uri="{FF2B5EF4-FFF2-40B4-BE49-F238E27FC236}">
+                      <a16:creationId xmlns:a16="http://schemas.microsoft.com/office/drawing/2014/main" id="{CEA5DE55-5404-A944-B766-C6BD96F193FF}"/>
+                    </a:ext>
+                  </a:extLst>
+                </p:cNvPr>
+                <p:cNvCxnSpPr>
+                  <a:cxnSpLocks/>
+                  <a:stCxn id="31" idx="2"/>
+                  <a:endCxn id="34" idx="1"/>
+                </p:cNvCxnSpPr>
+                <p:nvPr/>
+              </p:nvCxnSpPr>
+              <p:spPr>
+                <a:xfrm rot="16200000" flipH="1">
+                  <a:off x="1251572" y="690003"/>
+                  <a:ext cx="1173794" cy="989651"/>
+                </a:xfrm>
+                <a:prstGeom prst="bentConnector2">
+                  <a:avLst/>
+                </a:prstGeom>
+                <a:ln w="28575">
+                  <a:tailEnd type="triangle"/>
+                </a:ln>
+              </p:spPr>
+              <p:style>
+                <a:lnRef idx="1">
+                  <a:schemeClr val="accent2"/>
+                </a:lnRef>
+                <a:fillRef idx="0">
+                  <a:schemeClr val="accent2"/>
+                </a:fillRef>
+                <a:effectRef idx="0">
+                  <a:schemeClr val="accent2"/>
+                </a:effectRef>
+                <a:fontRef idx="minor">
+                  <a:schemeClr val="tx1"/>
+                </a:fontRef>
+              </p:style>
+            </p:cxnSp>
+            <p:sp>
+              <p:nvSpPr>
+                <p:cNvPr id="36" name="TextBox 35">
+                  <a:extLst>
+                    <a:ext uri="{FF2B5EF4-FFF2-40B4-BE49-F238E27FC236}">
+                      <a16:creationId xmlns:a16="http://schemas.microsoft.com/office/drawing/2014/main" id="{090F8CF8-411E-674B-83A6-AC71C87DDDD4}"/>
+                    </a:ext>
+                  </a:extLst>
+                </p:cNvPr>
+                <p:cNvSpPr txBox="1"/>
+                <p:nvPr/>
+              </p:nvSpPr>
+              <p:spPr>
+                <a:xfrm>
+                  <a:off x="2333295" y="2266290"/>
+                  <a:ext cx="1933031" cy="369332"/>
+                </a:xfrm>
+                <a:prstGeom prst="rect">
+                  <a:avLst/>
+                </a:prstGeom>
+                <a:ln w="28575"/>
+              </p:spPr>
+              <p:style>
+                <a:lnRef idx="2">
+                  <a:schemeClr val="accent2"/>
+                </a:lnRef>
+                <a:fillRef idx="1">
+                  <a:schemeClr val="lt1"/>
+                </a:fillRef>
+                <a:effectRef idx="0">
+                  <a:schemeClr val="accent2"/>
+                </a:effectRef>
+                <a:fontRef idx="minor">
+                  <a:schemeClr val="dk1"/>
+                </a:fontRef>
+              </p:style>
+              <p:txBody>
+                <a:bodyPr wrap="square" rtlCol="0">
+                  <a:spAutoFit/>
+                </a:bodyPr>
+                <a:lstStyle/>
+                <a:p>
+                  <a:r>
+                    <a:rPr lang="en-US" b="1" dirty="0"/>
+                    <a:t>Table receivers</a:t>
+                  </a:r>
+                </a:p>
+              </p:txBody>
+            </p:sp>
+          </p:grpSp>
           <p:sp>
             <p:nvSpPr>
-              <p:cNvPr id="31" name="TextBox 30">
+              <p:cNvPr id="24" name="TextBox 23">
                 <a:extLst>
                   <a:ext uri="{FF2B5EF4-FFF2-40B4-BE49-F238E27FC236}">
-                    <a16:creationId xmlns:a16="http://schemas.microsoft.com/office/drawing/2014/main" id="{598F9E52-73CD-4E4A-9554-B20A9AFE1CC9}"/>
+                    <a16:creationId xmlns:a16="http://schemas.microsoft.com/office/drawing/2014/main" id="{0DDB7255-AF72-1048-BB14-FF70C8CE7DC0}"/>
                   </a:ext>
                 </a:extLst>
               </p:cNvPr>
@@ -4257,23 +4565,27 @@
             </p:nvSpPr>
             <p:spPr>
               <a:xfrm>
-                <a:off x="264695" y="228600"/>
-                <a:ext cx="2157898" cy="369332"/>
+                <a:off x="5065987" y="228600"/>
+                <a:ext cx="3017236" cy="923330"/>
               </a:xfrm>
               <a:prstGeom prst="rect">
                 <a:avLst/>
               </a:prstGeom>
-              <a:ln w="28575"/>
+              <a:ln w="28575">
+                <a:solidFill>
+                  <a:schemeClr val="accent2"/>
+                </a:solidFill>
+              </a:ln>
             </p:spPr>
             <p:style>
               <a:lnRef idx="2">
-                <a:schemeClr val="accent2"/>
+                <a:schemeClr val="accent4"/>
               </a:lnRef>
               <a:fillRef idx="1">
                 <a:schemeClr val="lt1"/>
               </a:fillRef>
               <a:effectRef idx="0">
-                <a:schemeClr val="accent2"/>
+                <a:schemeClr val="accent4"/>
               </a:effectRef>
               <a:fontRef idx="minor">
                 <a:schemeClr val="dk1"/>
@@ -4287,35 +4599,332 @@
               <a:p>
                 <a:r>
                   <a:rPr lang="en-US" b="1" dirty="0"/>
-                  <a:t>Beacon </a:t>
+                  <a:t>Beacon-</a:t>
                 </a:r>
                 <a:r>
                   <a:rPr lang="en-US" b="1" dirty="0" err="1"/>
-                  <a:t>Visualisation</a:t>
+                  <a:t>visualisation</a:t>
                 </a:r>
-                <a:endParaRPr lang="en-US" b="1" dirty="0"/>
+                <a:r>
+                  <a:rPr lang="en-US" b="1" dirty="0"/>
+                  <a:t> Sandbox</a:t>
+                </a:r>
+              </a:p>
+              <a:p>
+                <a:pPr marL="285750" indent="-285750">
+                  <a:buFont typeface="Arial" panose="020B0604020202020204" pitchFamily="34" charset="0"/>
+                  <a:buChar char="•"/>
+                </a:pPr>
+                <a:r>
+                  <a:rPr lang="en-US" dirty="0"/>
+                  <a:t>markers$</a:t>
+                </a:r>
+              </a:p>
+              <a:p>
+                <a:pPr marL="285750" indent="-285750">
+                  <a:buFont typeface="Arial" panose="020B0604020202020204" pitchFamily="34" charset="0"/>
+                  <a:buChar char="•"/>
+                </a:pPr>
+                <a:r>
+                  <a:rPr lang="en-US" dirty="0"/>
+                  <a:t>receivers$ </a:t>
+                </a:r>
               </a:p>
             </p:txBody>
           </p:sp>
           <p:cxnSp>
             <p:nvCxnSpPr>
-              <p:cNvPr id="32" name="Elbow Connector 31">
+              <p:cNvPr id="25" name="Straight Arrow Connector 24">
                 <a:extLst>
                   <a:ext uri="{FF2B5EF4-FFF2-40B4-BE49-F238E27FC236}">
-                    <a16:creationId xmlns:a16="http://schemas.microsoft.com/office/drawing/2014/main" id="{4E149B44-B515-3143-B6B8-0B3B9F2F0F39}"/>
+                    <a16:creationId xmlns:a16="http://schemas.microsoft.com/office/drawing/2014/main" id="{D77AE466-6C20-CE41-B388-31A269AB1284}"/>
                   </a:ext>
                 </a:extLst>
               </p:cNvPr>
               <p:cNvCxnSpPr>
                 <a:cxnSpLocks/>
+                <a:stCxn id="31" idx="3"/>
+                <a:endCxn id="24" idx="1"/>
+              </p:cNvCxnSpPr>
+              <p:nvPr/>
+            </p:nvCxnSpPr>
+            <p:spPr>
+              <a:xfrm>
+                <a:off x="2422593" y="413266"/>
+                <a:ext cx="2643394" cy="276999"/>
+              </a:xfrm>
+              <a:prstGeom prst="straightConnector1">
+                <a:avLst/>
+              </a:prstGeom>
+              <a:ln w="28575">
+                <a:prstDash val="dashDot"/>
+                <a:tailEnd type="triangle"/>
+              </a:ln>
+            </p:spPr>
+            <p:style>
+              <a:lnRef idx="1">
+                <a:schemeClr val="accent2"/>
+              </a:lnRef>
+              <a:fillRef idx="0">
+                <a:schemeClr val="accent2"/>
+              </a:fillRef>
+              <a:effectRef idx="0">
+                <a:schemeClr val="accent2"/>
+              </a:effectRef>
+              <a:fontRef idx="minor">
+                <a:schemeClr val="tx1"/>
+              </a:fontRef>
+            </p:style>
+          </p:cxnSp>
+          <p:sp>
+            <p:nvSpPr>
+              <p:cNvPr id="26" name="TextBox 25">
+                <a:extLst>
+                  <a:ext uri="{FF2B5EF4-FFF2-40B4-BE49-F238E27FC236}">
+                    <a16:creationId xmlns:a16="http://schemas.microsoft.com/office/drawing/2014/main" id="{5BEDDB9F-71BD-C945-8ED5-A8510E3A6EB2}"/>
+                  </a:ext>
+                </a:extLst>
+              </p:cNvPr>
+              <p:cNvSpPr txBox="1"/>
+              <p:nvPr/>
+            </p:nvSpPr>
+            <p:spPr>
+              <a:xfrm>
+                <a:off x="9033662" y="630831"/>
+                <a:ext cx="2715680" cy="923330"/>
+              </a:xfrm>
+              <a:prstGeom prst="rect">
+                <a:avLst/>
+              </a:prstGeom>
+              <a:ln w="28575">
+                <a:solidFill>
+                  <a:schemeClr val="accent2"/>
+                </a:solidFill>
+              </a:ln>
+            </p:spPr>
+            <p:style>
+              <a:lnRef idx="2">
+                <a:schemeClr val="accent4"/>
+              </a:lnRef>
+              <a:fillRef idx="1">
+                <a:schemeClr val="lt1"/>
+              </a:fillRef>
+              <a:effectRef idx="0">
+                <a:schemeClr val="accent4"/>
+              </a:effectRef>
+              <a:fontRef idx="minor">
+                <a:schemeClr val="dk1"/>
+              </a:fontRef>
+            </p:style>
+            <p:txBody>
+              <a:bodyPr wrap="none" rtlCol="0">
+                <a:spAutoFit/>
+              </a:bodyPr>
+              <a:lstStyle/>
+              <a:p>
+                <a:r>
+                  <a:rPr lang="en-US" b="1" dirty="0"/>
+                  <a:t>Receiver Service</a:t>
+                </a:r>
+              </a:p>
+              <a:p>
+                <a:pPr marL="285750" indent="-285750">
+                  <a:buFont typeface="Arial" panose="020B0604020202020204" pitchFamily="34" charset="0"/>
+                  <a:buChar char="•"/>
+                </a:pPr>
+                <a:r>
+                  <a:rPr lang="en-US" dirty="0" err="1"/>
+                  <a:t>getReceivers</a:t>
+                </a:r>
+                <a:r>
+                  <a:rPr lang="en-US" dirty="0"/>
+                  <a:t>()</a:t>
+                </a:r>
+              </a:p>
+              <a:p>
+                <a:pPr marL="285750" indent="-285750">
+                  <a:buFont typeface="Arial" panose="020B0604020202020204" pitchFamily="34" charset="0"/>
+                  <a:buChar char="•"/>
+                </a:pPr>
+                <a:r>
+                  <a:rPr lang="en-US" dirty="0" err="1"/>
+                  <a:t>getBeaconsOfReceiver</a:t>
+                </a:r>
+                <a:r>
+                  <a:rPr lang="en-US" dirty="0"/>
+                  <a:t>()</a:t>
+                </a:r>
+              </a:p>
+            </p:txBody>
+          </p:sp>
+          <p:sp>
+            <p:nvSpPr>
+              <p:cNvPr id="27" name="TextBox 26">
+                <a:extLst>
+                  <a:ext uri="{FF2B5EF4-FFF2-40B4-BE49-F238E27FC236}">
+                    <a16:creationId xmlns:a16="http://schemas.microsoft.com/office/drawing/2014/main" id="{1774888C-23AA-BB4D-B5F8-096630F931CD}"/>
+                  </a:ext>
+                </a:extLst>
+              </p:cNvPr>
+              <p:cNvSpPr txBox="1"/>
+              <p:nvPr/>
+            </p:nvSpPr>
+            <p:spPr>
+              <a:xfrm>
+                <a:off x="4942074" y="2576188"/>
+                <a:ext cx="3265061" cy="369332"/>
+              </a:xfrm>
+              <a:prstGeom prst="rect">
+                <a:avLst/>
+              </a:prstGeom>
+              <a:ln w="28575"/>
+            </p:spPr>
+            <p:style>
+              <a:lnRef idx="2">
+                <a:schemeClr val="accent2">
+                  <a:shade val="50000"/>
+                </a:schemeClr>
+              </a:lnRef>
+              <a:fillRef idx="1">
+                <a:schemeClr val="accent2"/>
+              </a:fillRef>
+              <a:effectRef idx="0">
+                <a:schemeClr val="accent2"/>
+              </a:effectRef>
+              <a:fontRef idx="minor">
+                <a:schemeClr val="lt1"/>
+              </a:fontRef>
+            </p:style>
+            <p:txBody>
+              <a:bodyPr wrap="none" rtlCol="0">
+                <a:spAutoFit/>
+              </a:bodyPr>
+              <a:lstStyle/>
+              <a:p>
+                <a:r>
+                  <a:rPr lang="en-US" b="1" dirty="0"/>
+                  <a:t>State management -&gt; </a:t>
+                </a:r>
+                <a:r>
+                  <a:rPr lang="en-US" b="1" dirty="0" err="1"/>
+                  <a:t>RxJS</a:t>
+                </a:r>
+                <a:r>
+                  <a:rPr lang="en-US" b="1" dirty="0"/>
+                  <a:t> Store</a:t>
+                </a:r>
+                <a:endParaRPr lang="en-US" dirty="0"/>
+              </a:p>
+            </p:txBody>
+          </p:sp>
+          <p:cxnSp>
+            <p:nvCxnSpPr>
+              <p:cNvPr id="28" name="Straight Arrow Connector 27">
+                <a:extLst>
+                  <a:ext uri="{FF2B5EF4-FFF2-40B4-BE49-F238E27FC236}">
+                    <a16:creationId xmlns:a16="http://schemas.microsoft.com/office/drawing/2014/main" id="{7979AF1F-B5F9-2D44-85D3-4A62ACA70CE9}"/>
+                  </a:ext>
+                </a:extLst>
+              </p:cNvPr>
+              <p:cNvCxnSpPr>
+                <a:cxnSpLocks/>
+                <a:stCxn id="24" idx="2"/>
+                <a:endCxn id="27" idx="0"/>
+              </p:cNvCxnSpPr>
+              <p:nvPr/>
+            </p:nvCxnSpPr>
+            <p:spPr>
+              <a:xfrm>
+                <a:off x="6574605" y="1151930"/>
+                <a:ext cx="0" cy="1424258"/>
+              </a:xfrm>
+              <a:prstGeom prst="straightConnector1">
+                <a:avLst/>
+              </a:prstGeom>
+              <a:ln w="28575">
+                <a:prstDash val="dashDot"/>
+                <a:headEnd type="triangle"/>
+                <a:tailEnd type="triangle"/>
+              </a:ln>
+            </p:spPr>
+            <p:style>
+              <a:lnRef idx="1">
+                <a:schemeClr val="accent2"/>
+              </a:lnRef>
+              <a:fillRef idx="0">
+                <a:schemeClr val="accent2"/>
+              </a:fillRef>
+              <a:effectRef idx="0">
+                <a:schemeClr val="accent2"/>
+              </a:effectRef>
+              <a:fontRef idx="minor">
+                <a:schemeClr val="tx1"/>
+              </a:fontRef>
+            </p:style>
+          </p:cxnSp>
+          <p:cxnSp>
+            <p:nvCxnSpPr>
+              <p:cNvPr id="29" name="Straight Arrow Connector 28">
+                <a:extLst>
+                  <a:ext uri="{FF2B5EF4-FFF2-40B4-BE49-F238E27FC236}">
+                    <a16:creationId xmlns:a16="http://schemas.microsoft.com/office/drawing/2014/main" id="{D9D7A023-9DCD-0F4C-B34D-C863C5CD179A}"/>
+                  </a:ext>
+                </a:extLst>
+              </p:cNvPr>
+              <p:cNvCxnSpPr>
+                <a:cxnSpLocks/>
+                <a:stCxn id="24" idx="3"/>
+                <a:endCxn id="26" idx="1"/>
+              </p:cNvCxnSpPr>
+              <p:nvPr/>
+            </p:nvCxnSpPr>
+            <p:spPr>
+              <a:xfrm>
+                <a:off x="8083223" y="690265"/>
+                <a:ext cx="950439" cy="402231"/>
+              </a:xfrm>
+              <a:prstGeom prst="straightConnector1">
+                <a:avLst/>
+              </a:prstGeom>
+              <a:ln w="28575">
+                <a:prstDash val="dashDot"/>
+                <a:tailEnd type="triangle"/>
+              </a:ln>
+            </p:spPr>
+            <p:style>
+              <a:lnRef idx="1">
+                <a:schemeClr val="accent2"/>
+              </a:lnRef>
+              <a:fillRef idx="0">
+                <a:schemeClr val="accent2"/>
+              </a:fillRef>
+              <a:effectRef idx="0">
+                <a:schemeClr val="accent2"/>
+              </a:effectRef>
+              <a:fontRef idx="minor">
+                <a:schemeClr val="tx1"/>
+              </a:fontRef>
+            </p:style>
+          </p:cxnSp>
+          <p:cxnSp>
+            <p:nvCxnSpPr>
+              <p:cNvPr id="30" name="Elbow Connector 29">
+                <a:extLst>
+                  <a:ext uri="{FF2B5EF4-FFF2-40B4-BE49-F238E27FC236}">
+                    <a16:creationId xmlns:a16="http://schemas.microsoft.com/office/drawing/2014/main" id="{7EE93289-56CB-6043-8F54-12720ED7EC3B}"/>
+                  </a:ext>
+                </a:extLst>
+              </p:cNvPr>
+              <p:cNvCxnSpPr>
                 <a:stCxn id="31" idx="2"/>
+                <a:endCxn id="36" idx="1"/>
               </p:cNvCxnSpPr>
               <p:nvPr/>
             </p:nvCxnSpPr>
             <p:spPr>
               <a:xfrm rot="16200000" flipH="1">
-                <a:off x="1591188" y="350388"/>
-                <a:ext cx="494564" cy="989652"/>
+                <a:off x="911957" y="1029618"/>
+                <a:ext cx="1853024" cy="989651"/>
               </a:xfrm>
               <a:prstGeom prst="bentConnector2">
                 <a:avLst/>
@@ -4339,12 +4948,544 @@
               </a:fontRef>
             </p:style>
           </p:cxnSp>
+        </p:grpSp>
+        <p:sp>
+          <p:nvSpPr>
+            <p:cNvPr id="43" name="TextBox 42">
+              <a:extLst>
+                <a:ext uri="{FF2B5EF4-FFF2-40B4-BE49-F238E27FC236}">
+                  <a16:creationId xmlns:a16="http://schemas.microsoft.com/office/drawing/2014/main" id="{2C69C2D5-BB9B-ED40-878B-61C6A752FBBB}"/>
+                </a:ext>
+              </a:extLst>
+            </p:cNvPr>
+            <p:cNvSpPr txBox="1"/>
+            <p:nvPr/>
+          </p:nvSpPr>
+          <p:spPr>
+            <a:xfrm>
+              <a:off x="264693" y="165360"/>
+              <a:ext cx="2157899" cy="369332"/>
+            </a:xfrm>
+            <a:prstGeom prst="rect">
+              <a:avLst/>
+            </a:prstGeom>
+            <a:ln w="28575"/>
+          </p:spPr>
+          <p:style>
+            <a:lnRef idx="2">
+              <a:schemeClr val="accent2"/>
+            </a:lnRef>
+            <a:fillRef idx="1">
+              <a:schemeClr val="lt1"/>
+            </a:fillRef>
+            <a:effectRef idx="0">
+              <a:schemeClr val="accent2"/>
+            </a:effectRef>
+            <a:fontRef idx="minor">
+              <a:schemeClr val="dk1"/>
+            </a:fontRef>
+          </p:style>
+          <p:txBody>
+            <a:bodyPr wrap="square" rtlCol="0">
+              <a:spAutoFit/>
+            </a:bodyPr>
+            <a:lstStyle/>
+            <a:p>
+              <a:r>
+                <a:rPr lang="en-US" b="1" dirty="0"/>
+                <a:t>Environment</a:t>
+              </a:r>
+            </a:p>
+          </p:txBody>
+        </p:sp>
+        <p:sp>
+          <p:nvSpPr>
+            <p:cNvPr id="44" name="TextBox 43">
+              <a:extLst>
+                <a:ext uri="{FF2B5EF4-FFF2-40B4-BE49-F238E27FC236}">
+                  <a16:creationId xmlns:a16="http://schemas.microsoft.com/office/drawing/2014/main" id="{41705D44-AC53-F146-A78F-FC8AA0176CB1}"/>
+                </a:ext>
+              </a:extLst>
+            </p:cNvPr>
+            <p:cNvSpPr txBox="1"/>
+            <p:nvPr/>
+          </p:nvSpPr>
+          <p:spPr>
+            <a:xfrm>
+              <a:off x="3863124" y="165360"/>
+              <a:ext cx="2157899" cy="369332"/>
+            </a:xfrm>
+            <a:prstGeom prst="rect">
+              <a:avLst/>
+            </a:prstGeom>
+            <a:ln w="28575"/>
+          </p:spPr>
+          <p:style>
+            <a:lnRef idx="2">
+              <a:schemeClr val="accent2"/>
+            </a:lnRef>
+            <a:fillRef idx="1">
+              <a:schemeClr val="lt1"/>
+            </a:fillRef>
+            <a:effectRef idx="0">
+              <a:schemeClr val="accent2"/>
+            </a:effectRef>
+            <a:fontRef idx="minor">
+              <a:schemeClr val="dk1"/>
+            </a:fontRef>
+          </p:style>
+          <p:txBody>
+            <a:bodyPr wrap="square" rtlCol="0">
+              <a:spAutoFit/>
+            </a:bodyPr>
+            <a:lstStyle/>
+            <a:p>
+              <a:r>
+                <a:rPr lang="en-US" b="1" dirty="0" err="1"/>
+                <a:t>Environment.prod</a:t>
+              </a:r>
+              <a:endParaRPr lang="en-US" b="1" dirty="0"/>
+            </a:p>
+          </p:txBody>
+        </p:sp>
+        <p:sp>
+          <p:nvSpPr>
+            <p:cNvPr id="45" name="TextBox 44">
+              <a:extLst>
+                <a:ext uri="{FF2B5EF4-FFF2-40B4-BE49-F238E27FC236}">
+                  <a16:creationId xmlns:a16="http://schemas.microsoft.com/office/drawing/2014/main" id="{68DA1E48-91AF-784E-B7E9-BFDEF6924404}"/>
+                </a:ext>
+              </a:extLst>
+            </p:cNvPr>
+            <p:cNvSpPr txBox="1"/>
+            <p:nvPr/>
+          </p:nvSpPr>
+          <p:spPr>
+            <a:xfrm>
+              <a:off x="7479492" y="165360"/>
+              <a:ext cx="2350308" cy="369332"/>
+            </a:xfrm>
+            <a:prstGeom prst="rect">
+              <a:avLst/>
+            </a:prstGeom>
+            <a:ln w="28575">
+              <a:solidFill>
+                <a:schemeClr val="accent1"/>
+              </a:solidFill>
+            </a:ln>
+          </p:spPr>
+          <p:style>
+            <a:lnRef idx="2">
+              <a:schemeClr val="accent2"/>
+            </a:lnRef>
+            <a:fillRef idx="1">
+              <a:schemeClr val="lt1"/>
+            </a:fillRef>
+            <a:effectRef idx="0">
+              <a:schemeClr val="accent2"/>
+            </a:effectRef>
+            <a:fontRef idx="minor">
+              <a:schemeClr val="dk1"/>
+            </a:fontRef>
+          </p:style>
+          <p:txBody>
+            <a:bodyPr wrap="square" rtlCol="0">
+              <a:spAutoFit/>
+            </a:bodyPr>
+            <a:lstStyle/>
+            <a:p>
+              <a:r>
+                <a:rPr lang="en-US" b="1" dirty="0" err="1"/>
+                <a:t>Environment.mocked</a:t>
+              </a:r>
+              <a:endParaRPr lang="en-US" b="1" dirty="0"/>
+            </a:p>
+          </p:txBody>
+        </p:sp>
+      </p:grpSp>
+    </p:spTree>
+    <p:extLst>
+      <p:ext uri="{BB962C8B-B14F-4D97-AF65-F5344CB8AC3E}">
+        <p14:creationId xmlns:p14="http://schemas.microsoft.com/office/powerpoint/2010/main" val="1312053591"/>
+      </p:ext>
+    </p:extLst>
+  </p:cSld>
+  <p:clrMapOvr>
+    <a:masterClrMapping/>
+  </p:clrMapOvr>
+</p:sld>
+</file>
+
+<file path=ppt/slides/slide3.xml><?xml version="1.0" encoding="utf-8"?>
+<p:sld xmlns:a="http://schemas.openxmlformats.org/drawingml/2006/main" xmlns:r="http://schemas.openxmlformats.org/officeDocument/2006/relationships" xmlns:p="http://schemas.openxmlformats.org/presentationml/2006/main">
+  <p:cSld>
+    <p:spTree>
+      <p:nvGrpSpPr>
+        <p:cNvPr id="1" name=""/>
+        <p:cNvGrpSpPr/>
+        <p:nvPr/>
+      </p:nvGrpSpPr>
+      <p:grpSpPr>
+        <a:xfrm>
+          <a:off x="0" y="0"/>
+          <a:ext cx="0" cy="0"/>
+          <a:chOff x="0" y="0"/>
+          <a:chExt cx="0" cy="0"/>
+        </a:xfrm>
+      </p:grpSpPr>
+      <p:grpSp>
+        <p:nvGrpSpPr>
+          <p:cNvPr id="46" name="Group 45">
+            <a:extLst>
+              <a:ext uri="{FF2B5EF4-FFF2-40B4-BE49-F238E27FC236}">
+                <a16:creationId xmlns:a16="http://schemas.microsoft.com/office/drawing/2014/main" id="{CB5DDF97-9323-984B-A7B1-5671F7FBA0B6}"/>
+              </a:ext>
+            </a:extLst>
+          </p:cNvPr>
+          <p:cNvGrpSpPr/>
+          <p:nvPr/>
+        </p:nvGrpSpPr>
+        <p:grpSpPr>
+          <a:xfrm>
+            <a:off x="264693" y="165360"/>
+            <a:ext cx="11484649" cy="3574245"/>
+            <a:chOff x="264693" y="165360"/>
+            <a:chExt cx="11484649" cy="3574245"/>
+          </a:xfrm>
+        </p:grpSpPr>
+        <p:grpSp>
+          <p:nvGrpSpPr>
+            <p:cNvPr id="20" name="Group 19">
+              <a:extLst>
+                <a:ext uri="{FF2B5EF4-FFF2-40B4-BE49-F238E27FC236}">
+                  <a16:creationId xmlns:a16="http://schemas.microsoft.com/office/drawing/2014/main" id="{2DE06587-1E96-4646-9E8E-67068BDF5934}"/>
+                </a:ext>
+              </a:extLst>
+            </p:cNvPr>
+            <p:cNvGrpSpPr/>
+            <p:nvPr/>
+          </p:nvGrpSpPr>
+          <p:grpSpPr>
+            <a:xfrm>
+              <a:off x="264695" y="1022685"/>
+              <a:ext cx="11484647" cy="2716920"/>
+              <a:chOff x="264695" y="228600"/>
+              <a:chExt cx="11484647" cy="2716920"/>
+            </a:xfrm>
+          </p:grpSpPr>
+          <p:grpSp>
+            <p:nvGrpSpPr>
+              <p:cNvPr id="23" name="Group 22">
+                <a:extLst>
+                  <a:ext uri="{FF2B5EF4-FFF2-40B4-BE49-F238E27FC236}">
+                    <a16:creationId xmlns:a16="http://schemas.microsoft.com/office/drawing/2014/main" id="{FBE17CD0-7A67-3A4E-94CA-D84BC2F3095F}"/>
+                  </a:ext>
+                </a:extLst>
+              </p:cNvPr>
+              <p:cNvGrpSpPr/>
+              <p:nvPr/>
+            </p:nvGrpSpPr>
+            <p:grpSpPr>
+              <a:xfrm>
+                <a:off x="264695" y="228600"/>
+                <a:ext cx="4001631" cy="2407022"/>
+                <a:chOff x="264695" y="228600"/>
+                <a:chExt cx="4001631" cy="2407022"/>
+              </a:xfrm>
+            </p:grpSpPr>
+            <p:sp>
+              <p:nvSpPr>
+                <p:cNvPr id="31" name="TextBox 30">
+                  <a:extLst>
+                    <a:ext uri="{FF2B5EF4-FFF2-40B4-BE49-F238E27FC236}">
+                      <a16:creationId xmlns:a16="http://schemas.microsoft.com/office/drawing/2014/main" id="{598F9E52-73CD-4E4A-9554-B20A9AFE1CC9}"/>
+                    </a:ext>
+                  </a:extLst>
+                </p:cNvPr>
+                <p:cNvSpPr txBox="1"/>
+                <p:nvPr/>
+              </p:nvSpPr>
+              <p:spPr>
+                <a:xfrm>
+                  <a:off x="264695" y="228600"/>
+                  <a:ext cx="2157898" cy="369332"/>
+                </a:xfrm>
+                <a:prstGeom prst="rect">
+                  <a:avLst/>
+                </a:prstGeom>
+                <a:ln w="28575"/>
+              </p:spPr>
+              <p:style>
+                <a:lnRef idx="2">
+                  <a:schemeClr val="accent2"/>
+                </a:lnRef>
+                <a:fillRef idx="1">
+                  <a:schemeClr val="lt1"/>
+                </a:fillRef>
+                <a:effectRef idx="0">
+                  <a:schemeClr val="accent2"/>
+                </a:effectRef>
+                <a:fontRef idx="minor">
+                  <a:schemeClr val="dk1"/>
+                </a:fontRef>
+              </p:style>
+              <p:txBody>
+                <a:bodyPr wrap="none" rtlCol="0">
+                  <a:spAutoFit/>
+                </a:bodyPr>
+                <a:lstStyle/>
+                <a:p>
+                  <a:r>
+                    <a:rPr lang="en-US" b="1" dirty="0"/>
+                    <a:t>Beacon </a:t>
+                  </a:r>
+                  <a:r>
+                    <a:rPr lang="en-US" b="1" dirty="0" err="1"/>
+                    <a:t>Visualisation</a:t>
+                  </a:r>
+                  <a:endParaRPr lang="en-US" b="1" dirty="0"/>
+                </a:p>
+              </p:txBody>
+            </p:sp>
+            <p:cxnSp>
+              <p:nvCxnSpPr>
+                <p:cNvPr id="32" name="Elbow Connector 31">
+                  <a:extLst>
+                    <a:ext uri="{FF2B5EF4-FFF2-40B4-BE49-F238E27FC236}">
+                      <a16:creationId xmlns:a16="http://schemas.microsoft.com/office/drawing/2014/main" id="{4E149B44-B515-3143-B6B8-0B3B9F2F0F39}"/>
+                    </a:ext>
+                  </a:extLst>
+                </p:cNvPr>
+                <p:cNvCxnSpPr>
+                  <a:cxnSpLocks/>
+                  <a:stCxn id="31" idx="2"/>
+                </p:cNvCxnSpPr>
+                <p:nvPr/>
+              </p:nvCxnSpPr>
+              <p:spPr>
+                <a:xfrm rot="16200000" flipH="1">
+                  <a:off x="1591188" y="350388"/>
+                  <a:ext cx="494564" cy="989652"/>
+                </a:xfrm>
+                <a:prstGeom prst="bentConnector2">
+                  <a:avLst/>
+                </a:prstGeom>
+                <a:ln w="28575">
+                  <a:tailEnd type="triangle"/>
+                </a:ln>
+              </p:spPr>
+              <p:style>
+                <a:lnRef idx="1">
+                  <a:schemeClr val="accent2"/>
+                </a:lnRef>
+                <a:fillRef idx="0">
+                  <a:schemeClr val="accent2"/>
+                </a:fillRef>
+                <a:effectRef idx="0">
+                  <a:schemeClr val="accent2"/>
+                </a:effectRef>
+                <a:fontRef idx="minor">
+                  <a:schemeClr val="tx1"/>
+                </a:fontRef>
+              </p:style>
+            </p:cxnSp>
+            <p:sp>
+              <p:nvSpPr>
+                <p:cNvPr id="33" name="TextBox 32">
+                  <a:extLst>
+                    <a:ext uri="{FF2B5EF4-FFF2-40B4-BE49-F238E27FC236}">
+                      <a16:creationId xmlns:a16="http://schemas.microsoft.com/office/drawing/2014/main" id="{53E3F7C3-D94D-834F-985C-5F1DD66E4570}"/>
+                    </a:ext>
+                  </a:extLst>
+                </p:cNvPr>
+                <p:cNvSpPr txBox="1"/>
+                <p:nvPr/>
+              </p:nvSpPr>
+              <p:spPr>
+                <a:xfrm>
+                  <a:off x="2333296" y="907830"/>
+                  <a:ext cx="1933030" cy="369332"/>
+                </a:xfrm>
+                <a:prstGeom prst="rect">
+                  <a:avLst/>
+                </a:prstGeom>
+                <a:ln w="28575"/>
+              </p:spPr>
+              <p:style>
+                <a:lnRef idx="2">
+                  <a:schemeClr val="accent2"/>
+                </a:lnRef>
+                <a:fillRef idx="1">
+                  <a:schemeClr val="lt1"/>
+                </a:fillRef>
+                <a:effectRef idx="0">
+                  <a:schemeClr val="accent2"/>
+                </a:effectRef>
+                <a:fontRef idx="minor">
+                  <a:schemeClr val="dk1"/>
+                </a:fontRef>
+              </p:style>
+              <p:txBody>
+                <a:bodyPr wrap="none" rtlCol="0">
+                  <a:spAutoFit/>
+                </a:bodyPr>
+                <a:lstStyle/>
+                <a:p>
+                  <a:r>
+                    <a:rPr lang="en-US" b="1" dirty="0"/>
+                    <a:t>Beacon List Modal</a:t>
+                  </a:r>
+                </a:p>
+              </p:txBody>
+            </p:sp>
+            <p:sp>
+              <p:nvSpPr>
+                <p:cNvPr id="34" name="TextBox 33">
+                  <a:extLst>
+                    <a:ext uri="{FF2B5EF4-FFF2-40B4-BE49-F238E27FC236}">
+                      <a16:creationId xmlns:a16="http://schemas.microsoft.com/office/drawing/2014/main" id="{0EF5F7D1-6D06-C04D-826D-614BDF24EF15}"/>
+                    </a:ext>
+                  </a:extLst>
+                </p:cNvPr>
+                <p:cNvSpPr txBox="1"/>
+                <p:nvPr/>
+              </p:nvSpPr>
+              <p:spPr>
+                <a:xfrm>
+                  <a:off x="2333295" y="1587060"/>
+                  <a:ext cx="1933031" cy="369332"/>
+                </a:xfrm>
+                <a:prstGeom prst="rect">
+                  <a:avLst/>
+                </a:prstGeom>
+                <a:ln w="28575"/>
+              </p:spPr>
+              <p:style>
+                <a:lnRef idx="2">
+                  <a:schemeClr val="accent2"/>
+                </a:lnRef>
+                <a:fillRef idx="1">
+                  <a:schemeClr val="lt1"/>
+                </a:fillRef>
+                <a:effectRef idx="0">
+                  <a:schemeClr val="accent2"/>
+                </a:effectRef>
+                <a:fontRef idx="minor">
+                  <a:schemeClr val="dk1"/>
+                </a:fontRef>
+              </p:style>
+              <p:txBody>
+                <a:bodyPr wrap="square" rtlCol="0">
+                  <a:spAutoFit/>
+                </a:bodyPr>
+                <a:lstStyle/>
+                <a:p>
+                  <a:r>
+                    <a:rPr lang="en-US" b="1" dirty="0"/>
+                    <a:t>Leaflet</a:t>
+                  </a:r>
+                </a:p>
+              </p:txBody>
+            </p:sp>
+            <p:cxnSp>
+              <p:nvCxnSpPr>
+                <p:cNvPr id="35" name="Elbow Connector 34">
+                  <a:extLst>
+                    <a:ext uri="{FF2B5EF4-FFF2-40B4-BE49-F238E27FC236}">
+                      <a16:creationId xmlns:a16="http://schemas.microsoft.com/office/drawing/2014/main" id="{CEA5DE55-5404-A944-B766-C6BD96F193FF}"/>
+                    </a:ext>
+                  </a:extLst>
+                </p:cNvPr>
+                <p:cNvCxnSpPr>
+                  <a:cxnSpLocks/>
+                  <a:stCxn id="31" idx="2"/>
+                  <a:endCxn id="34" idx="1"/>
+                </p:cNvCxnSpPr>
+                <p:nvPr/>
+              </p:nvCxnSpPr>
+              <p:spPr>
+                <a:xfrm rot="16200000" flipH="1">
+                  <a:off x="1251572" y="690003"/>
+                  <a:ext cx="1173794" cy="989651"/>
+                </a:xfrm>
+                <a:prstGeom prst="bentConnector2">
+                  <a:avLst/>
+                </a:prstGeom>
+                <a:ln w="28575">
+                  <a:tailEnd type="triangle"/>
+                </a:ln>
+              </p:spPr>
+              <p:style>
+                <a:lnRef idx="1">
+                  <a:schemeClr val="accent2"/>
+                </a:lnRef>
+                <a:fillRef idx="0">
+                  <a:schemeClr val="accent2"/>
+                </a:fillRef>
+                <a:effectRef idx="0">
+                  <a:schemeClr val="accent2"/>
+                </a:effectRef>
+                <a:fontRef idx="minor">
+                  <a:schemeClr val="tx1"/>
+                </a:fontRef>
+              </p:style>
+            </p:cxnSp>
+            <p:sp>
+              <p:nvSpPr>
+                <p:cNvPr id="36" name="TextBox 35">
+                  <a:extLst>
+                    <a:ext uri="{FF2B5EF4-FFF2-40B4-BE49-F238E27FC236}">
+                      <a16:creationId xmlns:a16="http://schemas.microsoft.com/office/drawing/2014/main" id="{090F8CF8-411E-674B-83A6-AC71C87DDDD4}"/>
+                    </a:ext>
+                  </a:extLst>
+                </p:cNvPr>
+                <p:cNvSpPr txBox="1"/>
+                <p:nvPr/>
+              </p:nvSpPr>
+              <p:spPr>
+                <a:xfrm>
+                  <a:off x="2333295" y="2266290"/>
+                  <a:ext cx="1933031" cy="369332"/>
+                </a:xfrm>
+                <a:prstGeom prst="rect">
+                  <a:avLst/>
+                </a:prstGeom>
+                <a:ln w="28575"/>
+              </p:spPr>
+              <p:style>
+                <a:lnRef idx="2">
+                  <a:schemeClr val="accent2"/>
+                </a:lnRef>
+                <a:fillRef idx="1">
+                  <a:schemeClr val="lt1"/>
+                </a:fillRef>
+                <a:effectRef idx="0">
+                  <a:schemeClr val="accent2"/>
+                </a:effectRef>
+                <a:fontRef idx="minor">
+                  <a:schemeClr val="dk1"/>
+                </a:fontRef>
+              </p:style>
+              <p:txBody>
+                <a:bodyPr wrap="square" rtlCol="0">
+                  <a:spAutoFit/>
+                </a:bodyPr>
+                <a:lstStyle/>
+                <a:p>
+                  <a:r>
+                    <a:rPr lang="en-US" b="1" dirty="0"/>
+                    <a:t>Table receivers</a:t>
+                  </a:r>
+                </a:p>
+              </p:txBody>
+            </p:sp>
+          </p:grpSp>
           <p:sp>
             <p:nvSpPr>
-              <p:cNvPr id="33" name="TextBox 32">
+              <p:cNvPr id="24" name="TextBox 23">
                 <a:extLst>
                   <a:ext uri="{FF2B5EF4-FFF2-40B4-BE49-F238E27FC236}">
-                    <a16:creationId xmlns:a16="http://schemas.microsoft.com/office/drawing/2014/main" id="{53E3F7C3-D94D-834F-985C-5F1DD66E4570}"/>
+                    <a16:creationId xmlns:a16="http://schemas.microsoft.com/office/drawing/2014/main" id="{0DDB7255-AF72-1048-BB14-FF70C8CE7DC0}"/>
                   </a:ext>
                 </a:extLst>
               </p:cNvPr>
@@ -4353,23 +5494,27 @@
             </p:nvSpPr>
             <p:spPr>
               <a:xfrm>
-                <a:off x="2333296" y="907830"/>
-                <a:ext cx="1933030" cy="369332"/>
+                <a:off x="5065987" y="228600"/>
+                <a:ext cx="3017236" cy="923330"/>
               </a:xfrm>
               <a:prstGeom prst="rect">
                 <a:avLst/>
               </a:prstGeom>
-              <a:ln w="28575"/>
+              <a:ln w="28575">
+                <a:solidFill>
+                  <a:schemeClr val="accent2"/>
+                </a:solidFill>
+              </a:ln>
             </p:spPr>
             <p:style>
               <a:lnRef idx="2">
-                <a:schemeClr val="accent2"/>
+                <a:schemeClr val="accent4"/>
               </a:lnRef>
               <a:fillRef idx="1">
                 <a:schemeClr val="lt1"/>
               </a:fillRef>
               <a:effectRef idx="0">
-                <a:schemeClr val="accent2"/>
+                <a:schemeClr val="accent4"/>
               </a:effectRef>
               <a:fontRef idx="minor">
                 <a:schemeClr val="dk1"/>
@@ -4383,17 +5528,89 @@
               <a:p>
                 <a:r>
                   <a:rPr lang="en-US" b="1" dirty="0"/>
-                  <a:t>Beacon List Modal</a:t>
+                  <a:t>Beacon-</a:t>
+                </a:r>
+                <a:r>
+                  <a:rPr lang="en-US" b="1" dirty="0" err="1"/>
+                  <a:t>visualisation</a:t>
+                </a:r>
+                <a:r>
+                  <a:rPr lang="en-US" b="1" dirty="0"/>
+                  <a:t> Sandbox</a:t>
+                </a:r>
+              </a:p>
+              <a:p>
+                <a:pPr marL="285750" indent="-285750">
+                  <a:buFont typeface="Arial" panose="020B0604020202020204" pitchFamily="34" charset="0"/>
+                  <a:buChar char="•"/>
+                </a:pPr>
+                <a:r>
+                  <a:rPr lang="en-US" dirty="0"/>
+                  <a:t>markers$</a:t>
+                </a:r>
+              </a:p>
+              <a:p>
+                <a:pPr marL="285750" indent="-285750">
+                  <a:buFont typeface="Arial" panose="020B0604020202020204" pitchFamily="34" charset="0"/>
+                  <a:buChar char="•"/>
+                </a:pPr>
+                <a:r>
+                  <a:rPr lang="en-US" dirty="0"/>
+                  <a:t>receivers$ </a:t>
                 </a:r>
               </a:p>
             </p:txBody>
           </p:sp>
+          <p:cxnSp>
+            <p:nvCxnSpPr>
+              <p:cNvPr id="25" name="Straight Arrow Connector 24">
+                <a:extLst>
+                  <a:ext uri="{FF2B5EF4-FFF2-40B4-BE49-F238E27FC236}">
+                    <a16:creationId xmlns:a16="http://schemas.microsoft.com/office/drawing/2014/main" id="{D77AE466-6C20-CE41-B388-31A269AB1284}"/>
+                  </a:ext>
+                </a:extLst>
+              </p:cNvPr>
+              <p:cNvCxnSpPr>
+                <a:cxnSpLocks/>
+                <a:stCxn id="31" idx="3"/>
+                <a:endCxn id="24" idx="1"/>
+              </p:cNvCxnSpPr>
+              <p:nvPr/>
+            </p:nvCxnSpPr>
+            <p:spPr>
+              <a:xfrm>
+                <a:off x="2422593" y="413266"/>
+                <a:ext cx="2643394" cy="276999"/>
+              </a:xfrm>
+              <a:prstGeom prst="straightConnector1">
+                <a:avLst/>
+              </a:prstGeom>
+              <a:ln w="28575">
+                <a:prstDash val="dashDot"/>
+                <a:tailEnd type="triangle"/>
+              </a:ln>
+            </p:spPr>
+            <p:style>
+              <a:lnRef idx="1">
+                <a:schemeClr val="accent2"/>
+              </a:lnRef>
+              <a:fillRef idx="0">
+                <a:schemeClr val="accent2"/>
+              </a:fillRef>
+              <a:effectRef idx="0">
+                <a:schemeClr val="accent2"/>
+              </a:effectRef>
+              <a:fontRef idx="minor">
+                <a:schemeClr val="tx1"/>
+              </a:fontRef>
+            </p:style>
+          </p:cxnSp>
           <p:sp>
             <p:nvSpPr>
-              <p:cNvPr id="34" name="TextBox 33">
+              <p:cNvPr id="26" name="TextBox 25">
                 <a:extLst>
                   <a:ext uri="{FF2B5EF4-FFF2-40B4-BE49-F238E27FC236}">
-                    <a16:creationId xmlns:a16="http://schemas.microsoft.com/office/drawing/2014/main" id="{0EF5F7D1-6D06-C04D-826D-614BDF24EF15}"/>
+                    <a16:creationId xmlns:a16="http://schemas.microsoft.com/office/drawing/2014/main" id="{5BEDDB9F-71BD-C945-8ED5-A8510E3A6EB2}"/>
                   </a:ext>
                 </a:extLst>
               </p:cNvPr>
@@ -4402,8 +5619,89 @@
             </p:nvSpPr>
             <p:spPr>
               <a:xfrm>
-                <a:off x="2333295" y="1587060"/>
-                <a:ext cx="1933031" cy="369332"/>
+                <a:off x="9033662" y="630831"/>
+                <a:ext cx="2715680" cy="923330"/>
+              </a:xfrm>
+              <a:prstGeom prst="rect">
+                <a:avLst/>
+              </a:prstGeom>
+              <a:ln w="28575">
+                <a:solidFill>
+                  <a:schemeClr val="accent2"/>
+                </a:solidFill>
+              </a:ln>
+            </p:spPr>
+            <p:style>
+              <a:lnRef idx="2">
+                <a:schemeClr val="accent4"/>
+              </a:lnRef>
+              <a:fillRef idx="1">
+                <a:schemeClr val="lt1"/>
+              </a:fillRef>
+              <a:effectRef idx="0">
+                <a:schemeClr val="accent4"/>
+              </a:effectRef>
+              <a:fontRef idx="minor">
+                <a:schemeClr val="dk1"/>
+              </a:fontRef>
+            </p:style>
+            <p:txBody>
+              <a:bodyPr wrap="none" rtlCol="0">
+                <a:spAutoFit/>
+              </a:bodyPr>
+              <a:lstStyle/>
+              <a:p>
+                <a:r>
+                  <a:rPr lang="en-US" b="1" dirty="0"/>
+                  <a:t>Receiver Service</a:t>
+                </a:r>
+              </a:p>
+              <a:p>
+                <a:pPr marL="285750" indent="-285750">
+                  <a:buFont typeface="Arial" panose="020B0604020202020204" pitchFamily="34" charset="0"/>
+                  <a:buChar char="•"/>
+                </a:pPr>
+                <a:r>
+                  <a:rPr lang="en-US" dirty="0" err="1"/>
+                  <a:t>getReceivers</a:t>
+                </a:r>
+                <a:r>
+                  <a:rPr lang="en-US" dirty="0"/>
+                  <a:t>()</a:t>
+                </a:r>
+              </a:p>
+              <a:p>
+                <a:pPr marL="285750" indent="-285750">
+                  <a:buFont typeface="Arial" panose="020B0604020202020204" pitchFamily="34" charset="0"/>
+                  <a:buChar char="•"/>
+                </a:pPr>
+                <a:r>
+                  <a:rPr lang="en-US" dirty="0" err="1"/>
+                  <a:t>getBeaconsOfReceiver</a:t>
+                </a:r>
+                <a:r>
+                  <a:rPr lang="en-US" dirty="0"/>
+                  <a:t>()</a:t>
+                </a:r>
+              </a:p>
+            </p:txBody>
+          </p:sp>
+          <p:sp>
+            <p:nvSpPr>
+              <p:cNvPr id="27" name="TextBox 26">
+                <a:extLst>
+                  <a:ext uri="{FF2B5EF4-FFF2-40B4-BE49-F238E27FC236}">
+                    <a16:creationId xmlns:a16="http://schemas.microsoft.com/office/drawing/2014/main" id="{1774888C-23AA-BB4D-B5F8-096630F931CD}"/>
+                  </a:ext>
+                </a:extLst>
+              </p:cNvPr>
+              <p:cNvSpPr txBox="1"/>
+              <p:nvPr/>
+            </p:nvSpPr>
+            <p:spPr>
+              <a:xfrm>
+                <a:off x="4942074" y="2576188"/>
+                <a:ext cx="3265061" cy="369332"/>
               </a:xfrm>
               <a:prstGeom prst="rect">
                 <a:avLst/>
@@ -4412,51 +5710,150 @@
             </p:spPr>
             <p:style>
               <a:lnRef idx="2">
-                <a:schemeClr val="accent2"/>
+                <a:schemeClr val="accent2">
+                  <a:shade val="50000"/>
+                </a:schemeClr>
               </a:lnRef>
               <a:fillRef idx="1">
-                <a:schemeClr val="lt1"/>
+                <a:schemeClr val="accent2"/>
               </a:fillRef>
               <a:effectRef idx="0">
                 <a:schemeClr val="accent2"/>
               </a:effectRef>
               <a:fontRef idx="minor">
-                <a:schemeClr val="dk1"/>
+                <a:schemeClr val="lt1"/>
               </a:fontRef>
             </p:style>
             <p:txBody>
-              <a:bodyPr wrap="square" rtlCol="0">
+              <a:bodyPr wrap="none" rtlCol="0">
                 <a:spAutoFit/>
               </a:bodyPr>
               <a:lstStyle/>
               <a:p>
                 <a:r>
                   <a:rPr lang="en-US" b="1" dirty="0"/>
-                  <a:t>Leaflet</a:t>
+                  <a:t>State management -&gt; </a:t>
                 </a:r>
+                <a:r>
+                  <a:rPr lang="en-US" b="1" dirty="0" err="1"/>
+                  <a:t>RxJS</a:t>
+                </a:r>
+                <a:r>
+                  <a:rPr lang="en-US" b="1" dirty="0"/>
+                  <a:t> Store</a:t>
+                </a:r>
+                <a:endParaRPr lang="en-US" dirty="0"/>
               </a:p>
             </p:txBody>
           </p:sp>
           <p:cxnSp>
             <p:nvCxnSpPr>
-              <p:cNvPr id="35" name="Elbow Connector 34">
+              <p:cNvPr id="28" name="Straight Arrow Connector 27">
                 <a:extLst>
                   <a:ext uri="{FF2B5EF4-FFF2-40B4-BE49-F238E27FC236}">
-                    <a16:creationId xmlns:a16="http://schemas.microsoft.com/office/drawing/2014/main" id="{CEA5DE55-5404-A944-B766-C6BD96F193FF}"/>
+                    <a16:creationId xmlns:a16="http://schemas.microsoft.com/office/drawing/2014/main" id="{7979AF1F-B5F9-2D44-85D3-4A62ACA70CE9}"/>
                   </a:ext>
                 </a:extLst>
               </p:cNvPr>
               <p:cNvCxnSpPr>
                 <a:cxnSpLocks/>
+                <a:stCxn id="24" idx="2"/>
+                <a:endCxn id="27" idx="0"/>
+              </p:cNvCxnSpPr>
+              <p:nvPr/>
+            </p:nvCxnSpPr>
+            <p:spPr>
+              <a:xfrm>
+                <a:off x="6574605" y="1151930"/>
+                <a:ext cx="0" cy="1424258"/>
+              </a:xfrm>
+              <a:prstGeom prst="straightConnector1">
+                <a:avLst/>
+              </a:prstGeom>
+              <a:ln w="28575">
+                <a:prstDash val="dashDot"/>
+                <a:headEnd type="triangle"/>
+                <a:tailEnd type="triangle"/>
+              </a:ln>
+            </p:spPr>
+            <p:style>
+              <a:lnRef idx="1">
+                <a:schemeClr val="accent2"/>
+              </a:lnRef>
+              <a:fillRef idx="0">
+                <a:schemeClr val="accent2"/>
+              </a:fillRef>
+              <a:effectRef idx="0">
+                <a:schemeClr val="accent2"/>
+              </a:effectRef>
+              <a:fontRef idx="minor">
+                <a:schemeClr val="tx1"/>
+              </a:fontRef>
+            </p:style>
+          </p:cxnSp>
+          <p:cxnSp>
+            <p:nvCxnSpPr>
+              <p:cNvPr id="29" name="Straight Arrow Connector 28">
+                <a:extLst>
+                  <a:ext uri="{FF2B5EF4-FFF2-40B4-BE49-F238E27FC236}">
+                    <a16:creationId xmlns:a16="http://schemas.microsoft.com/office/drawing/2014/main" id="{D9D7A023-9DCD-0F4C-B34D-C863C5CD179A}"/>
+                  </a:ext>
+                </a:extLst>
+              </p:cNvPr>
+              <p:cNvCxnSpPr>
+                <a:cxnSpLocks/>
+                <a:stCxn id="24" idx="3"/>
+                <a:endCxn id="26" idx="1"/>
+              </p:cNvCxnSpPr>
+              <p:nvPr/>
+            </p:nvCxnSpPr>
+            <p:spPr>
+              <a:xfrm>
+                <a:off x="8083223" y="690265"/>
+                <a:ext cx="950439" cy="402231"/>
+              </a:xfrm>
+              <a:prstGeom prst="straightConnector1">
+                <a:avLst/>
+              </a:prstGeom>
+              <a:ln w="28575">
+                <a:prstDash val="dashDot"/>
+                <a:tailEnd type="triangle"/>
+              </a:ln>
+            </p:spPr>
+            <p:style>
+              <a:lnRef idx="1">
+                <a:schemeClr val="accent2"/>
+              </a:lnRef>
+              <a:fillRef idx="0">
+                <a:schemeClr val="accent2"/>
+              </a:fillRef>
+              <a:effectRef idx="0">
+                <a:schemeClr val="accent2"/>
+              </a:effectRef>
+              <a:fontRef idx="minor">
+                <a:schemeClr val="tx1"/>
+              </a:fontRef>
+            </p:style>
+          </p:cxnSp>
+          <p:cxnSp>
+            <p:nvCxnSpPr>
+              <p:cNvPr id="30" name="Elbow Connector 29">
+                <a:extLst>
+                  <a:ext uri="{FF2B5EF4-FFF2-40B4-BE49-F238E27FC236}">
+                    <a16:creationId xmlns:a16="http://schemas.microsoft.com/office/drawing/2014/main" id="{7EE93289-56CB-6043-8F54-12720ED7EC3B}"/>
+                  </a:ext>
+                </a:extLst>
+              </p:cNvPr>
+              <p:cNvCxnSpPr>
                 <a:stCxn id="31" idx="2"/>
-                <a:endCxn id="34" idx="1"/>
+                <a:endCxn id="36" idx="1"/>
               </p:cNvCxnSpPr>
               <p:nvPr/>
             </p:nvCxnSpPr>
             <p:spPr>
               <a:xfrm rot="16200000" flipH="1">
-                <a:off x="1251572" y="690003"/>
-                <a:ext cx="1173794" cy="989651"/>
+                <a:off x="911957" y="1029618"/>
+                <a:ext cx="1853024" cy="989651"/>
               </a:xfrm>
               <a:prstGeom prst="bentConnector2">
                 <a:avLst/>
@@ -4480,62 +5877,13 @@
               </a:fontRef>
             </p:style>
           </p:cxnSp>
-          <p:sp>
-            <p:nvSpPr>
-              <p:cNvPr id="36" name="TextBox 35">
-                <a:extLst>
-                  <a:ext uri="{FF2B5EF4-FFF2-40B4-BE49-F238E27FC236}">
-                    <a16:creationId xmlns:a16="http://schemas.microsoft.com/office/drawing/2014/main" id="{090F8CF8-411E-674B-83A6-AC71C87DDDD4}"/>
-                  </a:ext>
-                </a:extLst>
-              </p:cNvPr>
-              <p:cNvSpPr txBox="1"/>
-              <p:nvPr/>
-            </p:nvSpPr>
-            <p:spPr>
-              <a:xfrm>
-                <a:off x="2333295" y="2266290"/>
-                <a:ext cx="1933031" cy="369332"/>
-              </a:xfrm>
-              <a:prstGeom prst="rect">
-                <a:avLst/>
-              </a:prstGeom>
-              <a:ln w="28575"/>
-            </p:spPr>
-            <p:style>
-              <a:lnRef idx="2">
-                <a:schemeClr val="accent2"/>
-              </a:lnRef>
-              <a:fillRef idx="1">
-                <a:schemeClr val="lt1"/>
-              </a:fillRef>
-              <a:effectRef idx="0">
-                <a:schemeClr val="accent2"/>
-              </a:effectRef>
-              <a:fontRef idx="minor">
-                <a:schemeClr val="dk1"/>
-              </a:fontRef>
-            </p:style>
-            <p:txBody>
-              <a:bodyPr wrap="square" rtlCol="0">
-                <a:spAutoFit/>
-              </a:bodyPr>
-              <a:lstStyle/>
-              <a:p>
-                <a:r>
-                  <a:rPr lang="en-US" b="1" dirty="0"/>
-                  <a:t>Table receivers</a:t>
-                </a:r>
-              </a:p>
-            </p:txBody>
-          </p:sp>
         </p:grpSp>
         <p:sp>
           <p:nvSpPr>
-            <p:cNvPr id="24" name="TextBox 23">
+            <p:cNvPr id="38" name="TextBox 37">
               <a:extLst>
                 <a:ext uri="{FF2B5EF4-FFF2-40B4-BE49-F238E27FC236}">
-                  <a16:creationId xmlns:a16="http://schemas.microsoft.com/office/drawing/2014/main" id="{0DDB7255-AF72-1048-BB14-FF70C8CE7DC0}"/>
+                  <a16:creationId xmlns:a16="http://schemas.microsoft.com/office/drawing/2014/main" id="{16318948-592D-E848-B99F-D984169662E3}"/>
                 </a:ext>
               </a:extLst>
             </p:cNvPr>
@@ -4544,15 +5892,15 @@
           </p:nvSpPr>
           <p:spPr>
             <a:xfrm>
-              <a:off x="5065987" y="228600"/>
-              <a:ext cx="3017236" cy="923330"/>
+              <a:off x="9033662" y="2783376"/>
+              <a:ext cx="2715680" cy="923330"/>
             </a:xfrm>
             <a:prstGeom prst="rect">
               <a:avLst/>
             </a:prstGeom>
             <a:ln w="28575">
               <a:solidFill>
-                <a:schemeClr val="accent2"/>
+                <a:schemeClr val="accent1"/>
               </a:solidFill>
             </a:ln>
           </p:spPr>
@@ -4578,132 +5926,7 @@
             <a:p>
               <a:r>
                 <a:rPr lang="en-US" b="1" dirty="0"/>
-                <a:t>Beacon-</a:t>
-              </a:r>
-              <a:r>
-                <a:rPr lang="en-US" b="1" dirty="0" err="1"/>
-                <a:t>visualisation</a:t>
-              </a:r>
-              <a:r>
-                <a:rPr lang="en-US" b="1" dirty="0"/>
-                <a:t> Sandbox</a:t>
-              </a:r>
-            </a:p>
-            <a:p>
-              <a:pPr marL="285750" indent="-285750">
-                <a:buFont typeface="Arial" panose="020B0604020202020204" pitchFamily="34" charset="0"/>
-                <a:buChar char="•"/>
-              </a:pPr>
-              <a:r>
-                <a:rPr lang="en-US" dirty="0"/>
-                <a:t>markers$</a:t>
-              </a:r>
-            </a:p>
-            <a:p>
-              <a:pPr marL="285750" indent="-285750">
-                <a:buFont typeface="Arial" panose="020B0604020202020204" pitchFamily="34" charset="0"/>
-                <a:buChar char="•"/>
-              </a:pPr>
-              <a:r>
-                <a:rPr lang="en-US" dirty="0"/>
-                <a:t>receivers$ </a:t>
-              </a:r>
-            </a:p>
-          </p:txBody>
-        </p:sp>
-        <p:cxnSp>
-          <p:nvCxnSpPr>
-            <p:cNvPr id="25" name="Straight Arrow Connector 24">
-              <a:extLst>
-                <a:ext uri="{FF2B5EF4-FFF2-40B4-BE49-F238E27FC236}">
-                  <a16:creationId xmlns:a16="http://schemas.microsoft.com/office/drawing/2014/main" id="{D77AE466-6C20-CE41-B388-31A269AB1284}"/>
-                </a:ext>
-              </a:extLst>
-            </p:cNvPr>
-            <p:cNvCxnSpPr>
-              <a:cxnSpLocks/>
-              <a:stCxn id="31" idx="3"/>
-              <a:endCxn id="24" idx="1"/>
-            </p:cNvCxnSpPr>
-            <p:nvPr/>
-          </p:nvCxnSpPr>
-          <p:spPr>
-            <a:xfrm>
-              <a:off x="2422593" y="413266"/>
-              <a:ext cx="2643394" cy="276999"/>
-            </a:xfrm>
-            <a:prstGeom prst="straightConnector1">
-              <a:avLst/>
-            </a:prstGeom>
-            <a:ln w="28575">
-              <a:prstDash val="dashDot"/>
-              <a:tailEnd type="triangle"/>
-            </a:ln>
-          </p:spPr>
-          <p:style>
-            <a:lnRef idx="1">
-              <a:schemeClr val="accent2"/>
-            </a:lnRef>
-            <a:fillRef idx="0">
-              <a:schemeClr val="accent2"/>
-            </a:fillRef>
-            <a:effectRef idx="0">
-              <a:schemeClr val="accent2"/>
-            </a:effectRef>
-            <a:fontRef idx="minor">
-              <a:schemeClr val="tx1"/>
-            </a:fontRef>
-          </p:style>
-        </p:cxnSp>
-        <p:sp>
-          <p:nvSpPr>
-            <p:cNvPr id="26" name="TextBox 25">
-              <a:extLst>
-                <a:ext uri="{FF2B5EF4-FFF2-40B4-BE49-F238E27FC236}">
-                  <a16:creationId xmlns:a16="http://schemas.microsoft.com/office/drawing/2014/main" id="{5BEDDB9F-71BD-C945-8ED5-A8510E3A6EB2}"/>
-                </a:ext>
-              </a:extLst>
-            </p:cNvPr>
-            <p:cNvSpPr txBox="1"/>
-            <p:nvPr/>
-          </p:nvSpPr>
-          <p:spPr>
-            <a:xfrm>
-              <a:off x="9033662" y="630831"/>
-              <a:ext cx="2715680" cy="923330"/>
-            </a:xfrm>
-            <a:prstGeom prst="rect">
-              <a:avLst/>
-            </a:prstGeom>
-            <a:ln w="28575">
-              <a:solidFill>
-                <a:schemeClr val="accent2"/>
-              </a:solidFill>
-            </a:ln>
-          </p:spPr>
-          <p:style>
-            <a:lnRef idx="2">
-              <a:schemeClr val="accent4"/>
-            </a:lnRef>
-            <a:fillRef idx="1">
-              <a:schemeClr val="lt1"/>
-            </a:fillRef>
-            <a:effectRef idx="0">
-              <a:schemeClr val="accent4"/>
-            </a:effectRef>
-            <a:fontRef idx="minor">
-              <a:schemeClr val="dk1"/>
-            </a:fontRef>
-          </p:style>
-          <p:txBody>
-            <a:bodyPr wrap="none" rtlCol="0">
-              <a:spAutoFit/>
-            </a:bodyPr>
-            <a:lstStyle/>
-            <a:p>
-              <a:r>
-                <a:rPr lang="en-US" b="1" dirty="0"/>
-                <a:t>Receiver Service</a:t>
+                <a:t>Mock Receiver Service</a:t>
               </a:r>
             </a:p>
             <a:p>
@@ -4736,942 +5959,34 @@
             </a:p>
           </p:txBody>
         </p:sp>
-        <p:sp>
-          <p:nvSpPr>
-            <p:cNvPr id="27" name="TextBox 26">
+        <p:cxnSp>
+          <p:nvCxnSpPr>
+            <p:cNvPr id="39" name="Straight Arrow Connector 38">
               <a:extLst>
                 <a:ext uri="{FF2B5EF4-FFF2-40B4-BE49-F238E27FC236}">
-                  <a16:creationId xmlns:a16="http://schemas.microsoft.com/office/drawing/2014/main" id="{1774888C-23AA-BB4D-B5F8-096630F931CD}"/>
-                </a:ext>
-              </a:extLst>
-            </p:cNvPr>
-            <p:cNvSpPr txBox="1"/>
-            <p:nvPr/>
-          </p:nvSpPr>
-          <p:spPr>
-            <a:xfrm>
-              <a:off x="4942074" y="2576188"/>
-              <a:ext cx="3265061" cy="369332"/>
-            </a:xfrm>
-            <a:prstGeom prst="rect">
-              <a:avLst/>
-            </a:prstGeom>
-            <a:ln w="28575"/>
-          </p:spPr>
-          <p:style>
-            <a:lnRef idx="2">
-              <a:schemeClr val="accent2">
-                <a:shade val="50000"/>
-              </a:schemeClr>
-            </a:lnRef>
-            <a:fillRef idx="1">
-              <a:schemeClr val="accent2"/>
-            </a:fillRef>
-            <a:effectRef idx="0">
-              <a:schemeClr val="accent2"/>
-            </a:effectRef>
-            <a:fontRef idx="minor">
-              <a:schemeClr val="lt1"/>
-            </a:fontRef>
-          </p:style>
-          <p:txBody>
-            <a:bodyPr wrap="none" rtlCol="0">
-              <a:spAutoFit/>
-            </a:bodyPr>
-            <a:lstStyle/>
-            <a:p>
-              <a:r>
-                <a:rPr lang="en-US" b="1" dirty="0"/>
-                <a:t>State management -&gt; </a:t>
-              </a:r>
-              <a:r>
-                <a:rPr lang="en-US" b="1" dirty="0" err="1"/>
-                <a:t>RxJS</a:t>
-              </a:r>
-              <a:r>
-                <a:rPr lang="en-US" b="1" dirty="0"/>
-                <a:t> Store</a:t>
-              </a:r>
-              <a:endParaRPr lang="en-US" dirty="0"/>
-            </a:p>
-          </p:txBody>
-        </p:sp>
-        <p:cxnSp>
-          <p:nvCxnSpPr>
-            <p:cNvPr id="28" name="Straight Arrow Connector 27">
-              <a:extLst>
-                <a:ext uri="{FF2B5EF4-FFF2-40B4-BE49-F238E27FC236}">
-                  <a16:creationId xmlns:a16="http://schemas.microsoft.com/office/drawing/2014/main" id="{7979AF1F-B5F9-2D44-85D3-4A62ACA70CE9}"/>
-                </a:ext>
-              </a:extLst>
-            </p:cNvPr>
-            <p:cNvCxnSpPr>
-              <a:cxnSpLocks/>
-              <a:stCxn id="24" idx="2"/>
-              <a:endCxn id="27" idx="0"/>
-            </p:cNvCxnSpPr>
-            <p:nvPr/>
-          </p:nvCxnSpPr>
-          <p:spPr>
-            <a:xfrm>
-              <a:off x="6574605" y="1151930"/>
-              <a:ext cx="0" cy="1424258"/>
-            </a:xfrm>
-            <a:prstGeom prst="straightConnector1">
-              <a:avLst/>
-            </a:prstGeom>
-            <a:ln w="28575">
-              <a:prstDash val="dashDot"/>
-              <a:headEnd type="triangle"/>
-              <a:tailEnd type="triangle"/>
-            </a:ln>
-          </p:spPr>
-          <p:style>
-            <a:lnRef idx="1">
-              <a:schemeClr val="accent2"/>
-            </a:lnRef>
-            <a:fillRef idx="0">
-              <a:schemeClr val="accent2"/>
-            </a:fillRef>
-            <a:effectRef idx="0">
-              <a:schemeClr val="accent2"/>
-            </a:effectRef>
-            <a:fontRef idx="minor">
-              <a:schemeClr val="tx1"/>
-            </a:fontRef>
-          </p:style>
-        </p:cxnSp>
-        <p:cxnSp>
-          <p:nvCxnSpPr>
-            <p:cNvPr id="29" name="Straight Arrow Connector 28">
-              <a:extLst>
-                <a:ext uri="{FF2B5EF4-FFF2-40B4-BE49-F238E27FC236}">
-                  <a16:creationId xmlns:a16="http://schemas.microsoft.com/office/drawing/2014/main" id="{D9D7A023-9DCD-0F4C-B34D-C863C5CD179A}"/>
+                  <a16:creationId xmlns:a16="http://schemas.microsoft.com/office/drawing/2014/main" id="{A0A74A8A-F6F7-B243-9106-9BB1E147E2CF}"/>
                 </a:ext>
               </a:extLst>
             </p:cNvPr>
             <p:cNvCxnSpPr>
               <a:cxnSpLocks/>
               <a:stCxn id="24" idx="3"/>
-              <a:endCxn id="26" idx="1"/>
+              <a:endCxn id="38" idx="1"/>
             </p:cNvCxnSpPr>
             <p:nvPr/>
           </p:nvCxnSpPr>
           <p:spPr>
             <a:xfrm>
-              <a:off x="8083223" y="690265"/>
-              <a:ext cx="950439" cy="402231"/>
+              <a:off x="8083223" y="1484350"/>
+              <a:ext cx="950439" cy="1760691"/>
             </a:xfrm>
             <a:prstGeom prst="straightConnector1">
               <a:avLst/>
             </a:prstGeom>
             <a:ln w="28575">
-              <a:prstDash val="dashDot"/>
-              <a:tailEnd type="triangle"/>
-            </a:ln>
-          </p:spPr>
-          <p:style>
-            <a:lnRef idx="1">
-              <a:schemeClr val="accent2"/>
-            </a:lnRef>
-            <a:fillRef idx="0">
-              <a:schemeClr val="accent2"/>
-            </a:fillRef>
-            <a:effectRef idx="0">
-              <a:schemeClr val="accent2"/>
-            </a:effectRef>
-            <a:fontRef idx="minor">
-              <a:schemeClr val="tx1"/>
-            </a:fontRef>
-          </p:style>
-        </p:cxnSp>
-        <p:cxnSp>
-          <p:nvCxnSpPr>
-            <p:cNvPr id="30" name="Elbow Connector 29">
-              <a:extLst>
-                <a:ext uri="{FF2B5EF4-FFF2-40B4-BE49-F238E27FC236}">
-                  <a16:creationId xmlns:a16="http://schemas.microsoft.com/office/drawing/2014/main" id="{7EE93289-56CB-6043-8F54-12720ED7EC3B}"/>
-                </a:ext>
-              </a:extLst>
-            </p:cNvPr>
-            <p:cNvCxnSpPr>
-              <a:stCxn id="31" idx="2"/>
-              <a:endCxn id="36" idx="1"/>
-            </p:cNvCxnSpPr>
-            <p:nvPr/>
-          </p:nvCxnSpPr>
-          <p:spPr>
-            <a:xfrm rot="16200000" flipH="1">
-              <a:off x="911957" y="1029618"/>
-              <a:ext cx="1853024" cy="989651"/>
-            </a:xfrm>
-            <a:prstGeom prst="bentConnector2">
-              <a:avLst/>
-            </a:prstGeom>
-            <a:ln w="28575">
-              <a:tailEnd type="triangle"/>
-            </a:ln>
-          </p:spPr>
-          <p:style>
-            <a:lnRef idx="1">
-              <a:schemeClr val="accent2"/>
-            </a:lnRef>
-            <a:fillRef idx="0">
-              <a:schemeClr val="accent2"/>
-            </a:fillRef>
-            <a:effectRef idx="0">
-              <a:schemeClr val="accent2"/>
-            </a:effectRef>
-            <a:fontRef idx="minor">
-              <a:schemeClr val="tx1"/>
-            </a:fontRef>
-          </p:style>
-        </p:cxnSp>
-      </p:grpSp>
-      <p:sp>
-        <p:nvSpPr>
-          <p:cNvPr id="38" name="TextBox 37">
-            <a:extLst>
-              <a:ext uri="{FF2B5EF4-FFF2-40B4-BE49-F238E27FC236}">
-                <a16:creationId xmlns:a16="http://schemas.microsoft.com/office/drawing/2014/main" id="{16318948-592D-E848-B99F-D984169662E3}"/>
-              </a:ext>
-            </a:extLst>
-          </p:cNvPr>
-          <p:cNvSpPr txBox="1"/>
-          <p:nvPr/>
-        </p:nvSpPr>
-        <p:spPr>
-          <a:xfrm>
-            <a:off x="9033662" y="2783376"/>
-            <a:ext cx="2715680" cy="923330"/>
-          </a:xfrm>
-          <a:prstGeom prst="rect">
-            <a:avLst/>
-          </a:prstGeom>
-          <a:ln w="28575">
-            <a:solidFill>
-              <a:schemeClr val="accent1"/>
-            </a:solidFill>
-          </a:ln>
-        </p:spPr>
-        <p:style>
-          <a:lnRef idx="2">
-            <a:schemeClr val="accent4"/>
-          </a:lnRef>
-          <a:fillRef idx="1">
-            <a:schemeClr val="lt1"/>
-          </a:fillRef>
-          <a:effectRef idx="0">
-            <a:schemeClr val="accent4"/>
-          </a:effectRef>
-          <a:fontRef idx="minor">
-            <a:schemeClr val="dk1"/>
-          </a:fontRef>
-        </p:style>
-        <p:txBody>
-          <a:bodyPr wrap="none" rtlCol="0">
-            <a:spAutoFit/>
-          </a:bodyPr>
-          <a:lstStyle/>
-          <a:p>
-            <a:r>
-              <a:rPr lang="en-US" b="1" dirty="0"/>
-              <a:t>Mock Receiver Service</a:t>
-            </a:r>
-          </a:p>
-          <a:p>
-            <a:pPr marL="285750" indent="-285750">
-              <a:buFont typeface="Arial" panose="020B0604020202020204" pitchFamily="34" charset="0"/>
-              <a:buChar char="•"/>
-            </a:pPr>
-            <a:r>
-              <a:rPr lang="en-US" dirty="0" err="1"/>
-              <a:t>getReceivers</a:t>
-            </a:r>
-            <a:r>
-              <a:rPr lang="en-US" dirty="0"/>
-              <a:t>()</a:t>
-            </a:r>
-          </a:p>
-          <a:p>
-            <a:pPr marL="285750" indent="-285750">
-              <a:buFont typeface="Arial" panose="020B0604020202020204" pitchFamily="34" charset="0"/>
-              <a:buChar char="•"/>
-            </a:pPr>
-            <a:r>
-              <a:rPr lang="en-US" dirty="0" err="1"/>
-              <a:t>getBeaconsOfReceiver</a:t>
-            </a:r>
-            <a:r>
-              <a:rPr lang="en-US" dirty="0"/>
-              <a:t>()</a:t>
-            </a:r>
-          </a:p>
-        </p:txBody>
-      </p:sp>
-      <p:cxnSp>
-        <p:nvCxnSpPr>
-          <p:cNvPr id="39" name="Straight Arrow Connector 38">
-            <a:extLst>
-              <a:ext uri="{FF2B5EF4-FFF2-40B4-BE49-F238E27FC236}">
-                <a16:creationId xmlns:a16="http://schemas.microsoft.com/office/drawing/2014/main" id="{A0A74A8A-F6F7-B243-9106-9BB1E147E2CF}"/>
-              </a:ext>
-            </a:extLst>
-          </p:cNvPr>
-          <p:cNvCxnSpPr>
-            <a:cxnSpLocks/>
-            <a:stCxn id="24" idx="3"/>
-            <a:endCxn id="38" idx="1"/>
-          </p:cNvCxnSpPr>
-          <p:nvPr/>
-        </p:nvCxnSpPr>
-        <p:spPr>
-          <a:xfrm>
-            <a:off x="8083223" y="1484350"/>
-            <a:ext cx="950439" cy="1760691"/>
-          </a:xfrm>
-          <a:prstGeom prst="straightConnector1">
-            <a:avLst/>
-          </a:prstGeom>
-          <a:ln w="28575">
-            <a:solidFill>
-              <a:schemeClr val="accent1"/>
-            </a:solidFill>
-            <a:prstDash val="dashDot"/>
-            <a:tailEnd type="triangle"/>
-          </a:ln>
-        </p:spPr>
-        <p:style>
-          <a:lnRef idx="1">
-            <a:schemeClr val="accent2"/>
-          </a:lnRef>
-          <a:fillRef idx="0">
-            <a:schemeClr val="accent2"/>
-          </a:fillRef>
-          <a:effectRef idx="0">
-            <a:schemeClr val="accent2"/>
-          </a:effectRef>
-          <a:fontRef idx="minor">
-            <a:schemeClr val="tx1"/>
-          </a:fontRef>
-        </p:style>
-      </p:cxnSp>
-      <p:sp>
-        <p:nvSpPr>
-          <p:cNvPr id="43" name="TextBox 42">
-            <a:extLst>
-              <a:ext uri="{FF2B5EF4-FFF2-40B4-BE49-F238E27FC236}">
-                <a16:creationId xmlns:a16="http://schemas.microsoft.com/office/drawing/2014/main" id="{2C69C2D5-BB9B-ED40-878B-61C6A752FBBB}"/>
-              </a:ext>
-            </a:extLst>
-          </p:cNvPr>
-          <p:cNvSpPr txBox="1"/>
-          <p:nvPr/>
-        </p:nvSpPr>
-        <p:spPr>
-          <a:xfrm>
-            <a:off x="264693" y="165360"/>
-            <a:ext cx="2157899" cy="369332"/>
-          </a:xfrm>
-          <a:prstGeom prst="rect">
-            <a:avLst/>
-          </a:prstGeom>
-          <a:ln w="28575"/>
-        </p:spPr>
-        <p:style>
-          <a:lnRef idx="2">
-            <a:schemeClr val="accent2"/>
-          </a:lnRef>
-          <a:fillRef idx="1">
-            <a:schemeClr val="lt1"/>
-          </a:fillRef>
-          <a:effectRef idx="0">
-            <a:schemeClr val="accent2"/>
-          </a:effectRef>
-          <a:fontRef idx="minor">
-            <a:schemeClr val="dk1"/>
-          </a:fontRef>
-        </p:style>
-        <p:txBody>
-          <a:bodyPr wrap="square" rtlCol="0">
-            <a:spAutoFit/>
-          </a:bodyPr>
-          <a:lstStyle/>
-          <a:p>
-            <a:r>
-              <a:rPr lang="en-US" b="1" dirty="0"/>
-              <a:t>Environment</a:t>
-            </a:r>
-          </a:p>
-        </p:txBody>
-      </p:sp>
-      <p:sp>
-        <p:nvSpPr>
-          <p:cNvPr id="44" name="TextBox 43">
-            <a:extLst>
-              <a:ext uri="{FF2B5EF4-FFF2-40B4-BE49-F238E27FC236}">
-                <a16:creationId xmlns:a16="http://schemas.microsoft.com/office/drawing/2014/main" id="{41705D44-AC53-F146-A78F-FC8AA0176CB1}"/>
-              </a:ext>
-            </a:extLst>
-          </p:cNvPr>
-          <p:cNvSpPr txBox="1"/>
-          <p:nvPr/>
-        </p:nvSpPr>
-        <p:spPr>
-          <a:xfrm>
-            <a:off x="3863124" y="165360"/>
-            <a:ext cx="2157899" cy="369332"/>
-          </a:xfrm>
-          <a:prstGeom prst="rect">
-            <a:avLst/>
-          </a:prstGeom>
-          <a:ln w="28575"/>
-        </p:spPr>
-        <p:style>
-          <a:lnRef idx="2">
-            <a:schemeClr val="accent2"/>
-          </a:lnRef>
-          <a:fillRef idx="1">
-            <a:schemeClr val="lt1"/>
-          </a:fillRef>
-          <a:effectRef idx="0">
-            <a:schemeClr val="accent2"/>
-          </a:effectRef>
-          <a:fontRef idx="minor">
-            <a:schemeClr val="dk1"/>
-          </a:fontRef>
-        </p:style>
-        <p:txBody>
-          <a:bodyPr wrap="square" rtlCol="0">
-            <a:spAutoFit/>
-          </a:bodyPr>
-          <a:lstStyle/>
-          <a:p>
-            <a:r>
-              <a:rPr lang="en-US" b="1" dirty="0" err="1"/>
-              <a:t>Environment.prod</a:t>
-            </a:r>
-            <a:endParaRPr lang="en-US" b="1" dirty="0"/>
-          </a:p>
-        </p:txBody>
-      </p:sp>
-      <p:sp>
-        <p:nvSpPr>
-          <p:cNvPr id="45" name="TextBox 44">
-            <a:extLst>
-              <a:ext uri="{FF2B5EF4-FFF2-40B4-BE49-F238E27FC236}">
-                <a16:creationId xmlns:a16="http://schemas.microsoft.com/office/drawing/2014/main" id="{68DA1E48-91AF-784E-B7E9-BFDEF6924404}"/>
-              </a:ext>
-            </a:extLst>
-          </p:cNvPr>
-          <p:cNvSpPr txBox="1"/>
-          <p:nvPr/>
-        </p:nvSpPr>
-        <p:spPr>
-          <a:xfrm>
-            <a:off x="7479492" y="165360"/>
-            <a:ext cx="2157899" cy="646331"/>
-          </a:xfrm>
-          <a:prstGeom prst="rect">
-            <a:avLst/>
-          </a:prstGeom>
-          <a:ln w="28575"/>
-        </p:spPr>
-        <p:style>
-          <a:lnRef idx="2">
-            <a:schemeClr val="accent2"/>
-          </a:lnRef>
-          <a:fillRef idx="1">
-            <a:schemeClr val="lt1"/>
-          </a:fillRef>
-          <a:effectRef idx="0">
-            <a:schemeClr val="accent2"/>
-          </a:effectRef>
-          <a:fontRef idx="minor">
-            <a:schemeClr val="dk1"/>
-          </a:fontRef>
-        </p:style>
-        <p:txBody>
-          <a:bodyPr wrap="square" rtlCol="0">
-            <a:spAutoFit/>
-          </a:bodyPr>
-          <a:lstStyle/>
-          <a:p>
-            <a:r>
-              <a:rPr lang="en-US" b="1" err="1"/>
-              <a:t>Environment</a:t>
-            </a:r>
-            <a:r>
-              <a:rPr lang="en-US" b="1"/>
-              <a:t>.mocked</a:t>
-            </a:r>
-            <a:endParaRPr lang="en-US" b="1" dirty="0"/>
-          </a:p>
-        </p:txBody>
-      </p:sp>
-    </p:spTree>
-    <p:extLst>
-      <p:ext uri="{BB962C8B-B14F-4D97-AF65-F5344CB8AC3E}">
-        <p14:creationId xmlns:p14="http://schemas.microsoft.com/office/powerpoint/2010/main" val="1312053591"/>
-      </p:ext>
-    </p:extLst>
-  </p:cSld>
-  <p:clrMapOvr>
-    <a:masterClrMapping/>
-  </p:clrMapOvr>
-</p:sld>
-</file>
-
-<file path=ppt/slides/slide3.xml><?xml version="1.0" encoding="utf-8"?>
-<p:sld xmlns:a="http://schemas.openxmlformats.org/drawingml/2006/main" xmlns:r="http://schemas.openxmlformats.org/officeDocument/2006/relationships" xmlns:p="http://schemas.openxmlformats.org/presentationml/2006/main">
-  <p:cSld>
-    <p:spTree>
-      <p:nvGrpSpPr>
-        <p:cNvPr id="1" name=""/>
-        <p:cNvGrpSpPr/>
-        <p:nvPr/>
-      </p:nvGrpSpPr>
-      <p:grpSpPr>
-        <a:xfrm>
-          <a:off x="0" y="0"/>
-          <a:ext cx="0" cy="0"/>
-          <a:chOff x="0" y="0"/>
-          <a:chExt cx="0" cy="0"/>
-        </a:xfrm>
-      </p:grpSpPr>
-      <p:grpSp>
-        <p:nvGrpSpPr>
-          <p:cNvPr id="20" name="Group 19">
-            <a:extLst>
-              <a:ext uri="{FF2B5EF4-FFF2-40B4-BE49-F238E27FC236}">
-                <a16:creationId xmlns:a16="http://schemas.microsoft.com/office/drawing/2014/main" id="{2DE06587-1E96-4646-9E8E-67068BDF5934}"/>
-              </a:ext>
-            </a:extLst>
-          </p:cNvPr>
-          <p:cNvGrpSpPr/>
-          <p:nvPr/>
-        </p:nvGrpSpPr>
-        <p:grpSpPr>
-          <a:xfrm>
-            <a:off x="264695" y="1022685"/>
-            <a:ext cx="11484647" cy="2716920"/>
-            <a:chOff x="264695" y="228600"/>
-            <a:chExt cx="11484647" cy="2716920"/>
-          </a:xfrm>
-        </p:grpSpPr>
-        <p:grpSp>
-          <p:nvGrpSpPr>
-            <p:cNvPr id="23" name="Group 22">
-              <a:extLst>
-                <a:ext uri="{FF2B5EF4-FFF2-40B4-BE49-F238E27FC236}">
-                  <a16:creationId xmlns:a16="http://schemas.microsoft.com/office/drawing/2014/main" id="{FBE17CD0-7A67-3A4E-94CA-D84BC2F3095F}"/>
-                </a:ext>
-              </a:extLst>
-            </p:cNvPr>
-            <p:cNvGrpSpPr/>
-            <p:nvPr/>
-          </p:nvGrpSpPr>
-          <p:grpSpPr>
-            <a:xfrm>
-              <a:off x="264695" y="228600"/>
-              <a:ext cx="4001631" cy="2407022"/>
-              <a:chOff x="264695" y="228600"/>
-              <a:chExt cx="4001631" cy="2407022"/>
-            </a:xfrm>
-          </p:grpSpPr>
-          <p:sp>
-            <p:nvSpPr>
-              <p:cNvPr id="31" name="TextBox 30">
-                <a:extLst>
-                  <a:ext uri="{FF2B5EF4-FFF2-40B4-BE49-F238E27FC236}">
-                    <a16:creationId xmlns:a16="http://schemas.microsoft.com/office/drawing/2014/main" id="{598F9E52-73CD-4E4A-9554-B20A9AFE1CC9}"/>
-                  </a:ext>
-                </a:extLst>
-              </p:cNvPr>
-              <p:cNvSpPr txBox="1"/>
-              <p:nvPr/>
-            </p:nvSpPr>
-            <p:spPr>
-              <a:xfrm>
-                <a:off x="264695" y="228600"/>
-                <a:ext cx="2157898" cy="369332"/>
-              </a:xfrm>
-              <a:prstGeom prst="rect">
-                <a:avLst/>
-              </a:prstGeom>
-              <a:ln w="28575"/>
-            </p:spPr>
-            <p:style>
-              <a:lnRef idx="2">
-                <a:schemeClr val="accent2"/>
-              </a:lnRef>
-              <a:fillRef idx="1">
-                <a:schemeClr val="lt1"/>
-              </a:fillRef>
-              <a:effectRef idx="0">
-                <a:schemeClr val="accent2"/>
-              </a:effectRef>
-              <a:fontRef idx="minor">
-                <a:schemeClr val="dk1"/>
-              </a:fontRef>
-            </p:style>
-            <p:txBody>
-              <a:bodyPr wrap="none" rtlCol="0">
-                <a:spAutoFit/>
-              </a:bodyPr>
-              <a:lstStyle/>
-              <a:p>
-                <a:r>
-                  <a:rPr lang="en-US" b="1" dirty="0"/>
-                  <a:t>Beacon </a:t>
-                </a:r>
-                <a:r>
-                  <a:rPr lang="en-US" b="1" dirty="0" err="1"/>
-                  <a:t>Visualisation</a:t>
-                </a:r>
-                <a:endParaRPr lang="en-US" b="1" dirty="0"/>
-              </a:p>
-            </p:txBody>
-          </p:sp>
-          <p:cxnSp>
-            <p:nvCxnSpPr>
-              <p:cNvPr id="32" name="Elbow Connector 31">
-                <a:extLst>
-                  <a:ext uri="{FF2B5EF4-FFF2-40B4-BE49-F238E27FC236}">
-                    <a16:creationId xmlns:a16="http://schemas.microsoft.com/office/drawing/2014/main" id="{4E149B44-B515-3143-B6B8-0B3B9F2F0F39}"/>
-                  </a:ext>
-                </a:extLst>
-              </p:cNvPr>
-              <p:cNvCxnSpPr>
-                <a:cxnSpLocks/>
-                <a:stCxn id="31" idx="2"/>
-              </p:cNvCxnSpPr>
-              <p:nvPr/>
-            </p:nvCxnSpPr>
-            <p:spPr>
-              <a:xfrm rot="16200000" flipH="1">
-                <a:off x="1591188" y="350388"/>
-                <a:ext cx="494564" cy="989652"/>
-              </a:xfrm>
-              <a:prstGeom prst="bentConnector2">
-                <a:avLst/>
-              </a:prstGeom>
-              <a:ln w="28575">
-                <a:tailEnd type="triangle"/>
-              </a:ln>
-            </p:spPr>
-            <p:style>
-              <a:lnRef idx="1">
-                <a:schemeClr val="accent2"/>
-              </a:lnRef>
-              <a:fillRef idx="0">
-                <a:schemeClr val="accent2"/>
-              </a:fillRef>
-              <a:effectRef idx="0">
-                <a:schemeClr val="accent2"/>
-              </a:effectRef>
-              <a:fontRef idx="minor">
-                <a:schemeClr val="tx1"/>
-              </a:fontRef>
-            </p:style>
-          </p:cxnSp>
-          <p:sp>
-            <p:nvSpPr>
-              <p:cNvPr id="33" name="TextBox 32">
-                <a:extLst>
-                  <a:ext uri="{FF2B5EF4-FFF2-40B4-BE49-F238E27FC236}">
-                    <a16:creationId xmlns:a16="http://schemas.microsoft.com/office/drawing/2014/main" id="{53E3F7C3-D94D-834F-985C-5F1DD66E4570}"/>
-                  </a:ext>
-                </a:extLst>
-              </p:cNvPr>
-              <p:cNvSpPr txBox="1"/>
-              <p:nvPr/>
-            </p:nvSpPr>
-            <p:spPr>
-              <a:xfrm>
-                <a:off x="2333296" y="907830"/>
-                <a:ext cx="1933030" cy="369332"/>
-              </a:xfrm>
-              <a:prstGeom prst="rect">
-                <a:avLst/>
-              </a:prstGeom>
-              <a:ln w="28575"/>
-            </p:spPr>
-            <p:style>
-              <a:lnRef idx="2">
-                <a:schemeClr val="accent2"/>
-              </a:lnRef>
-              <a:fillRef idx="1">
-                <a:schemeClr val="lt1"/>
-              </a:fillRef>
-              <a:effectRef idx="0">
-                <a:schemeClr val="accent2"/>
-              </a:effectRef>
-              <a:fontRef idx="minor">
-                <a:schemeClr val="dk1"/>
-              </a:fontRef>
-            </p:style>
-            <p:txBody>
-              <a:bodyPr wrap="none" rtlCol="0">
-                <a:spAutoFit/>
-              </a:bodyPr>
-              <a:lstStyle/>
-              <a:p>
-                <a:r>
-                  <a:rPr lang="en-US" b="1" dirty="0"/>
-                  <a:t>Beacon List Modal</a:t>
-                </a:r>
-              </a:p>
-            </p:txBody>
-          </p:sp>
-          <p:sp>
-            <p:nvSpPr>
-              <p:cNvPr id="34" name="TextBox 33">
-                <a:extLst>
-                  <a:ext uri="{FF2B5EF4-FFF2-40B4-BE49-F238E27FC236}">
-                    <a16:creationId xmlns:a16="http://schemas.microsoft.com/office/drawing/2014/main" id="{0EF5F7D1-6D06-C04D-826D-614BDF24EF15}"/>
-                  </a:ext>
-                </a:extLst>
-              </p:cNvPr>
-              <p:cNvSpPr txBox="1"/>
-              <p:nvPr/>
-            </p:nvSpPr>
-            <p:spPr>
-              <a:xfrm>
-                <a:off x="2333295" y="1587060"/>
-                <a:ext cx="1933031" cy="369332"/>
-              </a:xfrm>
-              <a:prstGeom prst="rect">
-                <a:avLst/>
-              </a:prstGeom>
-              <a:ln w="28575"/>
-            </p:spPr>
-            <p:style>
-              <a:lnRef idx="2">
-                <a:schemeClr val="accent2"/>
-              </a:lnRef>
-              <a:fillRef idx="1">
-                <a:schemeClr val="lt1"/>
-              </a:fillRef>
-              <a:effectRef idx="0">
-                <a:schemeClr val="accent2"/>
-              </a:effectRef>
-              <a:fontRef idx="minor">
-                <a:schemeClr val="dk1"/>
-              </a:fontRef>
-            </p:style>
-            <p:txBody>
-              <a:bodyPr wrap="square" rtlCol="0">
-                <a:spAutoFit/>
-              </a:bodyPr>
-              <a:lstStyle/>
-              <a:p>
-                <a:r>
-                  <a:rPr lang="en-US" b="1" dirty="0"/>
-                  <a:t>Leaflet</a:t>
-                </a:r>
-              </a:p>
-            </p:txBody>
-          </p:sp>
-          <p:cxnSp>
-            <p:nvCxnSpPr>
-              <p:cNvPr id="35" name="Elbow Connector 34">
-                <a:extLst>
-                  <a:ext uri="{FF2B5EF4-FFF2-40B4-BE49-F238E27FC236}">
-                    <a16:creationId xmlns:a16="http://schemas.microsoft.com/office/drawing/2014/main" id="{CEA5DE55-5404-A944-B766-C6BD96F193FF}"/>
-                  </a:ext>
-                </a:extLst>
-              </p:cNvPr>
-              <p:cNvCxnSpPr>
-                <a:cxnSpLocks/>
-                <a:stCxn id="31" idx="2"/>
-                <a:endCxn id="34" idx="1"/>
-              </p:cNvCxnSpPr>
-              <p:nvPr/>
-            </p:nvCxnSpPr>
-            <p:spPr>
-              <a:xfrm rot="16200000" flipH="1">
-                <a:off x="1251572" y="690003"/>
-                <a:ext cx="1173794" cy="989651"/>
-              </a:xfrm>
-              <a:prstGeom prst="bentConnector2">
-                <a:avLst/>
-              </a:prstGeom>
-              <a:ln w="28575">
-                <a:tailEnd type="triangle"/>
-              </a:ln>
-            </p:spPr>
-            <p:style>
-              <a:lnRef idx="1">
-                <a:schemeClr val="accent2"/>
-              </a:lnRef>
-              <a:fillRef idx="0">
-                <a:schemeClr val="accent2"/>
-              </a:fillRef>
-              <a:effectRef idx="0">
-                <a:schemeClr val="accent2"/>
-              </a:effectRef>
-              <a:fontRef idx="minor">
-                <a:schemeClr val="tx1"/>
-              </a:fontRef>
-            </p:style>
-          </p:cxnSp>
-          <p:sp>
-            <p:nvSpPr>
-              <p:cNvPr id="36" name="TextBox 35">
-                <a:extLst>
-                  <a:ext uri="{FF2B5EF4-FFF2-40B4-BE49-F238E27FC236}">
-                    <a16:creationId xmlns:a16="http://schemas.microsoft.com/office/drawing/2014/main" id="{090F8CF8-411E-674B-83A6-AC71C87DDDD4}"/>
-                  </a:ext>
-                </a:extLst>
-              </p:cNvPr>
-              <p:cNvSpPr txBox="1"/>
-              <p:nvPr/>
-            </p:nvSpPr>
-            <p:spPr>
-              <a:xfrm>
-                <a:off x="2333295" y="2266290"/>
-                <a:ext cx="1933031" cy="369332"/>
-              </a:xfrm>
-              <a:prstGeom prst="rect">
-                <a:avLst/>
-              </a:prstGeom>
-              <a:ln w="28575"/>
-            </p:spPr>
-            <p:style>
-              <a:lnRef idx="2">
-                <a:schemeClr val="accent2"/>
-              </a:lnRef>
-              <a:fillRef idx="1">
-                <a:schemeClr val="lt1"/>
-              </a:fillRef>
-              <a:effectRef idx="0">
-                <a:schemeClr val="accent2"/>
-              </a:effectRef>
-              <a:fontRef idx="minor">
-                <a:schemeClr val="dk1"/>
-              </a:fontRef>
-            </p:style>
-            <p:txBody>
-              <a:bodyPr wrap="square" rtlCol="0">
-                <a:spAutoFit/>
-              </a:bodyPr>
-              <a:lstStyle/>
-              <a:p>
-                <a:r>
-                  <a:rPr lang="en-US" b="1" dirty="0"/>
-                  <a:t>Table receivers</a:t>
-                </a:r>
-              </a:p>
-            </p:txBody>
-          </p:sp>
-        </p:grpSp>
-        <p:sp>
-          <p:nvSpPr>
-            <p:cNvPr id="24" name="TextBox 23">
-              <a:extLst>
-                <a:ext uri="{FF2B5EF4-FFF2-40B4-BE49-F238E27FC236}">
-                  <a16:creationId xmlns:a16="http://schemas.microsoft.com/office/drawing/2014/main" id="{0DDB7255-AF72-1048-BB14-FF70C8CE7DC0}"/>
-                </a:ext>
-              </a:extLst>
-            </p:cNvPr>
-            <p:cNvSpPr txBox="1"/>
-            <p:nvPr/>
-          </p:nvSpPr>
-          <p:spPr>
-            <a:xfrm>
-              <a:off x="5065987" y="228600"/>
-              <a:ext cx="3017236" cy="923330"/>
-            </a:xfrm>
-            <a:prstGeom prst="rect">
-              <a:avLst/>
-            </a:prstGeom>
-            <a:ln w="28575">
               <a:solidFill>
-                <a:schemeClr val="accent2"/>
+                <a:schemeClr val="accent1"/>
               </a:solidFill>
-            </a:ln>
-          </p:spPr>
-          <p:style>
-            <a:lnRef idx="2">
-              <a:schemeClr val="accent4"/>
-            </a:lnRef>
-            <a:fillRef idx="1">
-              <a:schemeClr val="lt1"/>
-            </a:fillRef>
-            <a:effectRef idx="0">
-              <a:schemeClr val="accent4"/>
-            </a:effectRef>
-            <a:fontRef idx="minor">
-              <a:schemeClr val="dk1"/>
-            </a:fontRef>
-          </p:style>
-          <p:txBody>
-            <a:bodyPr wrap="none" rtlCol="0">
-              <a:spAutoFit/>
-            </a:bodyPr>
-            <a:lstStyle/>
-            <a:p>
-              <a:r>
-                <a:rPr lang="en-US" b="1" dirty="0"/>
-                <a:t>Beacon-</a:t>
-              </a:r>
-              <a:r>
-                <a:rPr lang="en-US" b="1" dirty="0" err="1"/>
-                <a:t>visualisation</a:t>
-              </a:r>
-              <a:r>
-                <a:rPr lang="en-US" b="1" dirty="0"/>
-                <a:t> Sandbox</a:t>
-              </a:r>
-            </a:p>
-            <a:p>
-              <a:pPr marL="285750" indent="-285750">
-                <a:buFont typeface="Arial" panose="020B0604020202020204" pitchFamily="34" charset="0"/>
-                <a:buChar char="•"/>
-              </a:pPr>
-              <a:r>
-                <a:rPr lang="en-US" dirty="0"/>
-                <a:t>markers$</a:t>
-              </a:r>
-            </a:p>
-            <a:p>
-              <a:pPr marL="285750" indent="-285750">
-                <a:buFont typeface="Arial" panose="020B0604020202020204" pitchFamily="34" charset="0"/>
-                <a:buChar char="•"/>
-              </a:pPr>
-              <a:r>
-                <a:rPr lang="en-US" dirty="0"/>
-                <a:t>receivers$ </a:t>
-              </a:r>
-            </a:p>
-          </p:txBody>
-        </p:sp>
-        <p:cxnSp>
-          <p:nvCxnSpPr>
-            <p:cNvPr id="25" name="Straight Arrow Connector 24">
-              <a:extLst>
-                <a:ext uri="{FF2B5EF4-FFF2-40B4-BE49-F238E27FC236}">
-                  <a16:creationId xmlns:a16="http://schemas.microsoft.com/office/drawing/2014/main" id="{D77AE466-6C20-CE41-B388-31A269AB1284}"/>
-                </a:ext>
-              </a:extLst>
-            </p:cNvPr>
-            <p:cNvCxnSpPr>
-              <a:cxnSpLocks/>
-              <a:stCxn id="31" idx="3"/>
-              <a:endCxn id="24" idx="1"/>
-            </p:cNvCxnSpPr>
-            <p:nvPr/>
-          </p:nvCxnSpPr>
-          <p:spPr>
-            <a:xfrm>
-              <a:off x="2422593" y="413266"/>
-              <a:ext cx="2643394" cy="276999"/>
-            </a:xfrm>
-            <a:prstGeom prst="straightConnector1">
-              <a:avLst/>
-            </a:prstGeom>
-            <a:ln w="28575">
               <a:prstDash val="dashDot"/>
               <a:tailEnd type="triangle"/>
             </a:ln>
@@ -5693,10 +6008,10 @@
         </p:cxnSp>
         <p:sp>
           <p:nvSpPr>
-            <p:cNvPr id="26" name="TextBox 25">
+            <p:cNvPr id="43" name="TextBox 42">
               <a:extLst>
                 <a:ext uri="{FF2B5EF4-FFF2-40B4-BE49-F238E27FC236}">
-                  <a16:creationId xmlns:a16="http://schemas.microsoft.com/office/drawing/2014/main" id="{5BEDDB9F-71BD-C945-8ED5-A8510E3A6EB2}"/>
+                  <a16:creationId xmlns:a16="http://schemas.microsoft.com/office/drawing/2014/main" id="{2C69C2D5-BB9B-ED40-878B-61C6A752FBBB}"/>
                 </a:ext>
               </a:extLst>
             </p:cNvPr>
@@ -5705,79 +6020,47 @@
           </p:nvSpPr>
           <p:spPr>
             <a:xfrm>
-              <a:off x="9033662" y="630831"/>
-              <a:ext cx="2715680" cy="923330"/>
+              <a:off x="264693" y="165360"/>
+              <a:ext cx="2157899" cy="369332"/>
             </a:xfrm>
             <a:prstGeom prst="rect">
               <a:avLst/>
             </a:prstGeom>
-            <a:ln w="28575">
-              <a:solidFill>
-                <a:schemeClr val="accent2"/>
-              </a:solidFill>
-            </a:ln>
+            <a:ln w="28575"/>
           </p:spPr>
           <p:style>
             <a:lnRef idx="2">
-              <a:schemeClr val="accent4"/>
+              <a:schemeClr val="accent2"/>
             </a:lnRef>
             <a:fillRef idx="1">
               <a:schemeClr val="lt1"/>
             </a:fillRef>
             <a:effectRef idx="0">
-              <a:schemeClr val="accent4"/>
+              <a:schemeClr val="accent2"/>
             </a:effectRef>
             <a:fontRef idx="minor">
               <a:schemeClr val="dk1"/>
             </a:fontRef>
           </p:style>
           <p:txBody>
-            <a:bodyPr wrap="none" rtlCol="0">
+            <a:bodyPr wrap="square" rtlCol="0">
               <a:spAutoFit/>
             </a:bodyPr>
             <a:lstStyle/>
             <a:p>
               <a:r>
                 <a:rPr lang="en-US" b="1" dirty="0"/>
-                <a:t>Receiver Service</a:t>
-              </a:r>
-            </a:p>
-            <a:p>
-              <a:pPr marL="285750" indent="-285750">
-                <a:buFont typeface="Arial" panose="020B0604020202020204" pitchFamily="34" charset="0"/>
-                <a:buChar char="•"/>
-              </a:pPr>
-              <a:r>
-                <a:rPr lang="en-US" dirty="0" err="1"/>
-                <a:t>getReceivers</a:t>
-              </a:r>
-              <a:r>
-                <a:rPr lang="en-US" dirty="0"/>
-                <a:t>()</a:t>
-              </a:r>
-            </a:p>
-            <a:p>
-              <a:pPr marL="285750" indent="-285750">
-                <a:buFont typeface="Arial" panose="020B0604020202020204" pitchFamily="34" charset="0"/>
-                <a:buChar char="•"/>
-              </a:pPr>
-              <a:r>
-                <a:rPr lang="en-US" dirty="0" err="1"/>
-                <a:t>getBeaconsOfReceiver</a:t>
-              </a:r>
-              <a:r>
-                <a:rPr lang="en-US" dirty="0"/>
-                <a:t>()</a:t>
+                <a:t>Environment</a:t>
               </a:r>
             </a:p>
           </p:txBody>
         </p:sp>
         <p:sp>
           <p:nvSpPr>
-            <p:cNvPr id="27" name="TextBox 26">
+            <p:cNvPr id="44" name="TextBox 43">
               <a:extLst>
                 <a:ext uri="{FF2B5EF4-FFF2-40B4-BE49-F238E27FC236}">
-                  <a16:creationId xmlns:a16="http://schemas.microsoft.com/office/drawing/2014/main" id="{1774888C-23AA-BB4D-B5F8-096630F931CD}"/>
+                  <a16:creationId xmlns:a16="http://schemas.microsoft.com/office/drawing/2014/main" id="{41705D44-AC53-F146-A78F-FC8AA0176CB1}"/>
                 </a:ext>
               </a:extLst>
             </p:cNvPr>
@@ -5786,8 +6069,8 @@
           </p:nvSpPr>
           <p:spPr>
             <a:xfrm>
-              <a:off x="4942074" y="2576188"/>
-              <a:ext cx="3265061" cy="369332"/>
+              <a:off x="3863124" y="165360"/>
+              <a:ext cx="2157899" cy="369332"/>
             </a:xfrm>
             <a:prstGeom prst="rect">
               <a:avLst/>
@@ -5796,416 +6079,1373 @@
           </p:spPr>
           <p:style>
             <a:lnRef idx="2">
-              <a:schemeClr val="accent2">
-                <a:shade val="50000"/>
-              </a:schemeClr>
+              <a:schemeClr val="accent2"/>
             </a:lnRef>
             <a:fillRef idx="1">
-              <a:schemeClr val="accent2"/>
+              <a:schemeClr val="lt1"/>
             </a:fillRef>
             <a:effectRef idx="0">
               <a:schemeClr val="accent2"/>
             </a:effectRef>
             <a:fontRef idx="minor">
-              <a:schemeClr val="lt1"/>
+              <a:schemeClr val="dk1"/>
             </a:fontRef>
           </p:style>
           <p:txBody>
-            <a:bodyPr wrap="none" rtlCol="0">
+            <a:bodyPr wrap="square" rtlCol="0">
+              <a:spAutoFit/>
+            </a:bodyPr>
+            <a:lstStyle/>
+            <a:p>
+              <a:r>
+                <a:rPr lang="en-US" b="1" dirty="0" err="1"/>
+                <a:t>Environment.prod</a:t>
+              </a:r>
+              <a:endParaRPr lang="en-US" b="1" dirty="0"/>
+            </a:p>
+          </p:txBody>
+        </p:sp>
+        <p:sp>
+          <p:nvSpPr>
+            <p:cNvPr id="45" name="TextBox 44">
+              <a:extLst>
+                <a:ext uri="{FF2B5EF4-FFF2-40B4-BE49-F238E27FC236}">
+                  <a16:creationId xmlns:a16="http://schemas.microsoft.com/office/drawing/2014/main" id="{68DA1E48-91AF-784E-B7E9-BFDEF6924404}"/>
+                </a:ext>
+              </a:extLst>
+            </p:cNvPr>
+            <p:cNvSpPr txBox="1"/>
+            <p:nvPr/>
+          </p:nvSpPr>
+          <p:spPr>
+            <a:xfrm>
+              <a:off x="7479492" y="165360"/>
+              <a:ext cx="2350308" cy="369332"/>
+            </a:xfrm>
+            <a:prstGeom prst="rect">
+              <a:avLst/>
+            </a:prstGeom>
+            <a:ln w="28575">
+              <a:solidFill>
+                <a:schemeClr val="accent1"/>
+              </a:solidFill>
+            </a:ln>
+          </p:spPr>
+          <p:style>
+            <a:lnRef idx="2">
+              <a:schemeClr val="accent2"/>
+            </a:lnRef>
+            <a:fillRef idx="1">
+              <a:schemeClr val="lt1"/>
+            </a:fillRef>
+            <a:effectRef idx="0">
+              <a:schemeClr val="accent2"/>
+            </a:effectRef>
+            <a:fontRef idx="minor">
+              <a:schemeClr val="dk1"/>
+            </a:fontRef>
+          </p:style>
+          <p:txBody>
+            <a:bodyPr wrap="square" rtlCol="0">
+              <a:spAutoFit/>
+            </a:bodyPr>
+            <a:lstStyle/>
+            <a:p>
+              <a:r>
+                <a:rPr lang="en-US" b="1" dirty="0" err="1"/>
+                <a:t>Environment.mocked</a:t>
+              </a:r>
+              <a:endParaRPr lang="en-US" b="1" dirty="0"/>
+            </a:p>
+          </p:txBody>
+        </p:sp>
+      </p:grpSp>
+    </p:spTree>
+    <p:extLst>
+      <p:ext uri="{BB962C8B-B14F-4D97-AF65-F5344CB8AC3E}">
+        <p14:creationId xmlns:p14="http://schemas.microsoft.com/office/powerpoint/2010/main" val="3781636775"/>
+      </p:ext>
+    </p:extLst>
+  </p:cSld>
+  <p:clrMapOvr>
+    <a:masterClrMapping/>
+  </p:clrMapOvr>
+</p:sld>
+</file>
+
+<file path=ppt/slides/slide4.xml><?xml version="1.0" encoding="utf-8"?>
+<p:sld xmlns:a="http://schemas.openxmlformats.org/drawingml/2006/main" xmlns:r="http://schemas.openxmlformats.org/officeDocument/2006/relationships" xmlns:p="http://schemas.openxmlformats.org/presentationml/2006/main">
+  <p:cSld>
+    <p:spTree>
+      <p:nvGrpSpPr>
+        <p:cNvPr id="1" name=""/>
+        <p:cNvGrpSpPr/>
+        <p:nvPr/>
+      </p:nvGrpSpPr>
+      <p:grpSpPr>
+        <a:xfrm>
+          <a:off x="0" y="0"/>
+          <a:ext cx="0" cy="0"/>
+          <a:chOff x="0" y="0"/>
+          <a:chExt cx="0" cy="0"/>
+        </a:xfrm>
+      </p:grpSpPr>
+      <p:grpSp>
+        <p:nvGrpSpPr>
+          <p:cNvPr id="9" name="Group 8">
+            <a:extLst>
+              <a:ext uri="{FF2B5EF4-FFF2-40B4-BE49-F238E27FC236}">
+                <a16:creationId xmlns:a16="http://schemas.microsoft.com/office/drawing/2014/main" id="{1ACB0C3C-CD45-EB40-9E21-87FB891C5B4F}"/>
+              </a:ext>
+            </a:extLst>
+          </p:cNvPr>
+          <p:cNvGrpSpPr/>
+          <p:nvPr/>
+        </p:nvGrpSpPr>
+        <p:grpSpPr>
+          <a:xfrm>
+            <a:off x="264693" y="165360"/>
+            <a:ext cx="11484649" cy="5496507"/>
+            <a:chOff x="264693" y="165360"/>
+            <a:chExt cx="11484649" cy="5496507"/>
+          </a:xfrm>
+        </p:grpSpPr>
+        <p:grpSp>
+          <p:nvGrpSpPr>
+            <p:cNvPr id="8" name="Group 7">
+              <a:extLst>
+                <a:ext uri="{FF2B5EF4-FFF2-40B4-BE49-F238E27FC236}">
+                  <a16:creationId xmlns:a16="http://schemas.microsoft.com/office/drawing/2014/main" id="{DFF5E9DF-74CD-8540-9440-A89EF5AF1C78}"/>
+                </a:ext>
+              </a:extLst>
+            </p:cNvPr>
+            <p:cNvGrpSpPr/>
+            <p:nvPr/>
+          </p:nvGrpSpPr>
+          <p:grpSpPr>
+            <a:xfrm>
+              <a:off x="264695" y="1022685"/>
+              <a:ext cx="11484647" cy="4639182"/>
+              <a:chOff x="264695" y="1022685"/>
+              <a:chExt cx="11484647" cy="4639182"/>
+            </a:xfrm>
+          </p:grpSpPr>
+          <p:grpSp>
+            <p:nvGrpSpPr>
+              <p:cNvPr id="20" name="Group 19">
+                <a:extLst>
+                  <a:ext uri="{FF2B5EF4-FFF2-40B4-BE49-F238E27FC236}">
+                    <a16:creationId xmlns:a16="http://schemas.microsoft.com/office/drawing/2014/main" id="{2DE06587-1E96-4646-9E8E-67068BDF5934}"/>
+                  </a:ext>
+                </a:extLst>
+              </p:cNvPr>
+              <p:cNvGrpSpPr/>
+              <p:nvPr/>
+            </p:nvGrpSpPr>
+            <p:grpSpPr>
+              <a:xfrm>
+                <a:off x="264695" y="1022685"/>
+                <a:ext cx="11484647" cy="2716920"/>
+                <a:chOff x="264695" y="228600"/>
+                <a:chExt cx="11484647" cy="2716920"/>
+              </a:xfrm>
+            </p:grpSpPr>
+            <p:grpSp>
+              <p:nvGrpSpPr>
+                <p:cNvPr id="23" name="Group 22">
+                  <a:extLst>
+                    <a:ext uri="{FF2B5EF4-FFF2-40B4-BE49-F238E27FC236}">
+                      <a16:creationId xmlns:a16="http://schemas.microsoft.com/office/drawing/2014/main" id="{FBE17CD0-7A67-3A4E-94CA-D84BC2F3095F}"/>
+                    </a:ext>
+                  </a:extLst>
+                </p:cNvPr>
+                <p:cNvGrpSpPr/>
+                <p:nvPr/>
+              </p:nvGrpSpPr>
+              <p:grpSpPr>
+                <a:xfrm>
+                  <a:off x="264695" y="228600"/>
+                  <a:ext cx="4001631" cy="2407022"/>
+                  <a:chOff x="264695" y="228600"/>
+                  <a:chExt cx="4001631" cy="2407022"/>
+                </a:xfrm>
+              </p:grpSpPr>
+              <p:sp>
+                <p:nvSpPr>
+                  <p:cNvPr id="31" name="TextBox 30">
+                    <a:extLst>
+                      <a:ext uri="{FF2B5EF4-FFF2-40B4-BE49-F238E27FC236}">
+                        <a16:creationId xmlns:a16="http://schemas.microsoft.com/office/drawing/2014/main" id="{598F9E52-73CD-4E4A-9554-B20A9AFE1CC9}"/>
+                      </a:ext>
+                    </a:extLst>
+                  </p:cNvPr>
+                  <p:cNvSpPr txBox="1"/>
+                  <p:nvPr/>
+                </p:nvSpPr>
+                <p:spPr>
+                  <a:xfrm>
+                    <a:off x="264695" y="228600"/>
+                    <a:ext cx="2157898" cy="369332"/>
+                  </a:xfrm>
+                  <a:prstGeom prst="rect">
+                    <a:avLst/>
+                  </a:prstGeom>
+                  <a:ln w="28575"/>
+                </p:spPr>
+                <p:style>
+                  <a:lnRef idx="2">
+                    <a:schemeClr val="accent2"/>
+                  </a:lnRef>
+                  <a:fillRef idx="1">
+                    <a:schemeClr val="lt1"/>
+                  </a:fillRef>
+                  <a:effectRef idx="0">
+                    <a:schemeClr val="accent2"/>
+                  </a:effectRef>
+                  <a:fontRef idx="minor">
+                    <a:schemeClr val="dk1"/>
+                  </a:fontRef>
+                </p:style>
+                <p:txBody>
+                  <a:bodyPr wrap="none" rtlCol="0">
+                    <a:spAutoFit/>
+                  </a:bodyPr>
+                  <a:lstStyle/>
+                  <a:p>
+                    <a:r>
+                      <a:rPr lang="en-US" b="1" dirty="0"/>
+                      <a:t>Beacon </a:t>
+                    </a:r>
+                    <a:r>
+                      <a:rPr lang="en-US" b="1" dirty="0" err="1"/>
+                      <a:t>Visualisation</a:t>
+                    </a:r>
+                    <a:endParaRPr lang="en-US" b="1" dirty="0"/>
+                  </a:p>
+                </p:txBody>
+              </p:sp>
+              <p:cxnSp>
+                <p:nvCxnSpPr>
+                  <p:cNvPr id="32" name="Elbow Connector 31">
+                    <a:extLst>
+                      <a:ext uri="{FF2B5EF4-FFF2-40B4-BE49-F238E27FC236}">
+                        <a16:creationId xmlns:a16="http://schemas.microsoft.com/office/drawing/2014/main" id="{4E149B44-B515-3143-B6B8-0B3B9F2F0F39}"/>
+                      </a:ext>
+                    </a:extLst>
+                  </p:cNvPr>
+                  <p:cNvCxnSpPr>
+                    <a:cxnSpLocks/>
+                    <a:stCxn id="31" idx="2"/>
+                  </p:cNvCxnSpPr>
+                  <p:nvPr/>
+                </p:nvCxnSpPr>
+                <p:spPr>
+                  <a:xfrm rot="16200000" flipH="1">
+                    <a:off x="1591188" y="350388"/>
+                    <a:ext cx="494564" cy="989652"/>
+                  </a:xfrm>
+                  <a:prstGeom prst="bentConnector2">
+                    <a:avLst/>
+                  </a:prstGeom>
+                  <a:ln w="28575">
+                    <a:tailEnd type="triangle"/>
+                  </a:ln>
+                </p:spPr>
+                <p:style>
+                  <a:lnRef idx="1">
+                    <a:schemeClr val="accent2"/>
+                  </a:lnRef>
+                  <a:fillRef idx="0">
+                    <a:schemeClr val="accent2"/>
+                  </a:fillRef>
+                  <a:effectRef idx="0">
+                    <a:schemeClr val="accent2"/>
+                  </a:effectRef>
+                  <a:fontRef idx="minor">
+                    <a:schemeClr val="tx1"/>
+                  </a:fontRef>
+                </p:style>
+              </p:cxnSp>
+              <p:sp>
+                <p:nvSpPr>
+                  <p:cNvPr id="33" name="TextBox 32">
+                    <a:extLst>
+                      <a:ext uri="{FF2B5EF4-FFF2-40B4-BE49-F238E27FC236}">
+                        <a16:creationId xmlns:a16="http://schemas.microsoft.com/office/drawing/2014/main" id="{53E3F7C3-D94D-834F-985C-5F1DD66E4570}"/>
+                      </a:ext>
+                    </a:extLst>
+                  </p:cNvPr>
+                  <p:cNvSpPr txBox="1"/>
+                  <p:nvPr/>
+                </p:nvSpPr>
+                <p:spPr>
+                  <a:xfrm>
+                    <a:off x="2333296" y="907830"/>
+                    <a:ext cx="1933030" cy="369332"/>
+                  </a:xfrm>
+                  <a:prstGeom prst="rect">
+                    <a:avLst/>
+                  </a:prstGeom>
+                  <a:ln w="28575"/>
+                </p:spPr>
+                <p:style>
+                  <a:lnRef idx="2">
+                    <a:schemeClr val="accent2"/>
+                  </a:lnRef>
+                  <a:fillRef idx="1">
+                    <a:schemeClr val="lt1"/>
+                  </a:fillRef>
+                  <a:effectRef idx="0">
+                    <a:schemeClr val="accent2"/>
+                  </a:effectRef>
+                  <a:fontRef idx="minor">
+                    <a:schemeClr val="dk1"/>
+                  </a:fontRef>
+                </p:style>
+                <p:txBody>
+                  <a:bodyPr wrap="none" rtlCol="0">
+                    <a:spAutoFit/>
+                  </a:bodyPr>
+                  <a:lstStyle/>
+                  <a:p>
+                    <a:r>
+                      <a:rPr lang="en-US" b="1" dirty="0"/>
+                      <a:t>Beacon List Modal</a:t>
+                    </a:r>
+                  </a:p>
+                </p:txBody>
+              </p:sp>
+              <p:sp>
+                <p:nvSpPr>
+                  <p:cNvPr id="34" name="TextBox 33">
+                    <a:extLst>
+                      <a:ext uri="{FF2B5EF4-FFF2-40B4-BE49-F238E27FC236}">
+                        <a16:creationId xmlns:a16="http://schemas.microsoft.com/office/drawing/2014/main" id="{0EF5F7D1-6D06-C04D-826D-614BDF24EF15}"/>
+                      </a:ext>
+                    </a:extLst>
+                  </p:cNvPr>
+                  <p:cNvSpPr txBox="1"/>
+                  <p:nvPr/>
+                </p:nvSpPr>
+                <p:spPr>
+                  <a:xfrm>
+                    <a:off x="2333295" y="1587060"/>
+                    <a:ext cx="1933031" cy="369332"/>
+                  </a:xfrm>
+                  <a:prstGeom prst="rect">
+                    <a:avLst/>
+                  </a:prstGeom>
+                  <a:ln w="28575"/>
+                </p:spPr>
+                <p:style>
+                  <a:lnRef idx="2">
+                    <a:schemeClr val="accent2"/>
+                  </a:lnRef>
+                  <a:fillRef idx="1">
+                    <a:schemeClr val="lt1"/>
+                  </a:fillRef>
+                  <a:effectRef idx="0">
+                    <a:schemeClr val="accent2"/>
+                  </a:effectRef>
+                  <a:fontRef idx="minor">
+                    <a:schemeClr val="dk1"/>
+                  </a:fontRef>
+                </p:style>
+                <p:txBody>
+                  <a:bodyPr wrap="square" rtlCol="0">
+                    <a:spAutoFit/>
+                  </a:bodyPr>
+                  <a:lstStyle/>
+                  <a:p>
+                    <a:r>
+                      <a:rPr lang="en-US" b="1" dirty="0"/>
+                      <a:t>Leaflet</a:t>
+                    </a:r>
+                  </a:p>
+                </p:txBody>
+              </p:sp>
+              <p:cxnSp>
+                <p:nvCxnSpPr>
+                  <p:cNvPr id="35" name="Elbow Connector 34">
+                    <a:extLst>
+                      <a:ext uri="{FF2B5EF4-FFF2-40B4-BE49-F238E27FC236}">
+                        <a16:creationId xmlns:a16="http://schemas.microsoft.com/office/drawing/2014/main" id="{CEA5DE55-5404-A944-B766-C6BD96F193FF}"/>
+                      </a:ext>
+                    </a:extLst>
+                  </p:cNvPr>
+                  <p:cNvCxnSpPr>
+                    <a:cxnSpLocks/>
+                    <a:stCxn id="31" idx="2"/>
+                    <a:endCxn id="34" idx="1"/>
+                  </p:cNvCxnSpPr>
+                  <p:nvPr/>
+                </p:nvCxnSpPr>
+                <p:spPr>
+                  <a:xfrm rot="16200000" flipH="1">
+                    <a:off x="1251572" y="690003"/>
+                    <a:ext cx="1173794" cy="989651"/>
+                  </a:xfrm>
+                  <a:prstGeom prst="bentConnector2">
+                    <a:avLst/>
+                  </a:prstGeom>
+                  <a:ln w="28575">
+                    <a:tailEnd type="triangle"/>
+                  </a:ln>
+                </p:spPr>
+                <p:style>
+                  <a:lnRef idx="1">
+                    <a:schemeClr val="accent2"/>
+                  </a:lnRef>
+                  <a:fillRef idx="0">
+                    <a:schemeClr val="accent2"/>
+                  </a:fillRef>
+                  <a:effectRef idx="0">
+                    <a:schemeClr val="accent2"/>
+                  </a:effectRef>
+                  <a:fontRef idx="minor">
+                    <a:schemeClr val="tx1"/>
+                  </a:fontRef>
+                </p:style>
+              </p:cxnSp>
+              <p:sp>
+                <p:nvSpPr>
+                  <p:cNvPr id="36" name="TextBox 35">
+                    <a:extLst>
+                      <a:ext uri="{FF2B5EF4-FFF2-40B4-BE49-F238E27FC236}">
+                        <a16:creationId xmlns:a16="http://schemas.microsoft.com/office/drawing/2014/main" id="{090F8CF8-411E-674B-83A6-AC71C87DDDD4}"/>
+                      </a:ext>
+                    </a:extLst>
+                  </p:cNvPr>
+                  <p:cNvSpPr txBox="1"/>
+                  <p:nvPr/>
+                </p:nvSpPr>
+                <p:spPr>
+                  <a:xfrm>
+                    <a:off x="2333295" y="2266290"/>
+                    <a:ext cx="1933031" cy="369332"/>
+                  </a:xfrm>
+                  <a:prstGeom prst="rect">
+                    <a:avLst/>
+                  </a:prstGeom>
+                  <a:ln w="28575"/>
+                </p:spPr>
+                <p:style>
+                  <a:lnRef idx="2">
+                    <a:schemeClr val="accent2"/>
+                  </a:lnRef>
+                  <a:fillRef idx="1">
+                    <a:schemeClr val="lt1"/>
+                  </a:fillRef>
+                  <a:effectRef idx="0">
+                    <a:schemeClr val="accent2"/>
+                  </a:effectRef>
+                  <a:fontRef idx="minor">
+                    <a:schemeClr val="dk1"/>
+                  </a:fontRef>
+                </p:style>
+                <p:txBody>
+                  <a:bodyPr wrap="square" rtlCol="0">
+                    <a:spAutoFit/>
+                  </a:bodyPr>
+                  <a:lstStyle/>
+                  <a:p>
+                    <a:r>
+                      <a:rPr lang="en-US" b="1" dirty="0"/>
+                      <a:t>Table receivers</a:t>
+                    </a:r>
+                  </a:p>
+                </p:txBody>
+              </p:sp>
+            </p:grpSp>
+            <p:sp>
+              <p:nvSpPr>
+                <p:cNvPr id="24" name="TextBox 23">
+                  <a:extLst>
+                    <a:ext uri="{FF2B5EF4-FFF2-40B4-BE49-F238E27FC236}">
+                      <a16:creationId xmlns:a16="http://schemas.microsoft.com/office/drawing/2014/main" id="{0DDB7255-AF72-1048-BB14-FF70C8CE7DC0}"/>
+                    </a:ext>
+                  </a:extLst>
+                </p:cNvPr>
+                <p:cNvSpPr txBox="1"/>
+                <p:nvPr/>
+              </p:nvSpPr>
+              <p:spPr>
+                <a:xfrm>
+                  <a:off x="5065987" y="228600"/>
+                  <a:ext cx="3017236" cy="923330"/>
+                </a:xfrm>
+                <a:prstGeom prst="rect">
+                  <a:avLst/>
+                </a:prstGeom>
+                <a:ln w="28575">
+                  <a:solidFill>
+                    <a:schemeClr val="accent2"/>
+                  </a:solidFill>
+                </a:ln>
+              </p:spPr>
+              <p:style>
+                <a:lnRef idx="2">
+                  <a:schemeClr val="accent4"/>
+                </a:lnRef>
+                <a:fillRef idx="1">
+                  <a:schemeClr val="lt1"/>
+                </a:fillRef>
+                <a:effectRef idx="0">
+                  <a:schemeClr val="accent4"/>
+                </a:effectRef>
+                <a:fontRef idx="minor">
+                  <a:schemeClr val="dk1"/>
+                </a:fontRef>
+              </p:style>
+              <p:txBody>
+                <a:bodyPr wrap="none" rtlCol="0">
+                  <a:spAutoFit/>
+                </a:bodyPr>
+                <a:lstStyle/>
+                <a:p>
+                  <a:r>
+                    <a:rPr lang="en-US" b="1" dirty="0"/>
+                    <a:t>Beacon-</a:t>
+                  </a:r>
+                  <a:r>
+                    <a:rPr lang="en-US" b="1" dirty="0" err="1"/>
+                    <a:t>visualisation</a:t>
+                  </a:r>
+                  <a:r>
+                    <a:rPr lang="en-US" b="1" dirty="0"/>
+                    <a:t> Sandbox</a:t>
+                  </a:r>
+                </a:p>
+                <a:p>
+                  <a:pPr marL="285750" indent="-285750">
+                    <a:buFont typeface="Arial" panose="020B0604020202020204" pitchFamily="34" charset="0"/>
+                    <a:buChar char="•"/>
+                  </a:pPr>
+                  <a:r>
+                    <a:rPr lang="en-US" dirty="0"/>
+                    <a:t>markers$</a:t>
+                  </a:r>
+                </a:p>
+                <a:p>
+                  <a:pPr marL="285750" indent="-285750">
+                    <a:buFont typeface="Arial" panose="020B0604020202020204" pitchFamily="34" charset="0"/>
+                    <a:buChar char="•"/>
+                  </a:pPr>
+                  <a:r>
+                    <a:rPr lang="en-US" dirty="0"/>
+                    <a:t>receivers$ </a:t>
+                  </a:r>
+                </a:p>
+              </p:txBody>
+            </p:sp>
+            <p:cxnSp>
+              <p:nvCxnSpPr>
+                <p:cNvPr id="25" name="Straight Arrow Connector 24">
+                  <a:extLst>
+                    <a:ext uri="{FF2B5EF4-FFF2-40B4-BE49-F238E27FC236}">
+                      <a16:creationId xmlns:a16="http://schemas.microsoft.com/office/drawing/2014/main" id="{D77AE466-6C20-CE41-B388-31A269AB1284}"/>
+                    </a:ext>
+                  </a:extLst>
+                </p:cNvPr>
+                <p:cNvCxnSpPr>
+                  <a:cxnSpLocks/>
+                  <a:stCxn id="31" idx="3"/>
+                  <a:endCxn id="24" idx="1"/>
+                </p:cNvCxnSpPr>
+                <p:nvPr/>
+              </p:nvCxnSpPr>
+              <p:spPr>
+                <a:xfrm>
+                  <a:off x="2422593" y="413266"/>
+                  <a:ext cx="2643394" cy="276999"/>
+                </a:xfrm>
+                <a:prstGeom prst="straightConnector1">
+                  <a:avLst/>
+                </a:prstGeom>
+                <a:ln w="28575">
+                  <a:prstDash val="dashDot"/>
+                  <a:tailEnd type="triangle"/>
+                </a:ln>
+              </p:spPr>
+              <p:style>
+                <a:lnRef idx="1">
+                  <a:schemeClr val="accent2"/>
+                </a:lnRef>
+                <a:fillRef idx="0">
+                  <a:schemeClr val="accent2"/>
+                </a:fillRef>
+                <a:effectRef idx="0">
+                  <a:schemeClr val="accent2"/>
+                </a:effectRef>
+                <a:fontRef idx="minor">
+                  <a:schemeClr val="tx1"/>
+                </a:fontRef>
+              </p:style>
+            </p:cxnSp>
+            <p:sp>
+              <p:nvSpPr>
+                <p:cNvPr id="26" name="TextBox 25">
+                  <a:extLst>
+                    <a:ext uri="{FF2B5EF4-FFF2-40B4-BE49-F238E27FC236}">
+                      <a16:creationId xmlns:a16="http://schemas.microsoft.com/office/drawing/2014/main" id="{5BEDDB9F-71BD-C945-8ED5-A8510E3A6EB2}"/>
+                    </a:ext>
+                  </a:extLst>
+                </p:cNvPr>
+                <p:cNvSpPr txBox="1"/>
+                <p:nvPr/>
+              </p:nvSpPr>
+              <p:spPr>
+                <a:xfrm>
+                  <a:off x="9033662" y="630831"/>
+                  <a:ext cx="2715680" cy="923330"/>
+                </a:xfrm>
+                <a:prstGeom prst="rect">
+                  <a:avLst/>
+                </a:prstGeom>
+                <a:ln w="28575">
+                  <a:solidFill>
+                    <a:schemeClr val="accent2"/>
+                  </a:solidFill>
+                </a:ln>
+              </p:spPr>
+              <p:style>
+                <a:lnRef idx="2">
+                  <a:schemeClr val="accent4"/>
+                </a:lnRef>
+                <a:fillRef idx="1">
+                  <a:schemeClr val="lt1"/>
+                </a:fillRef>
+                <a:effectRef idx="0">
+                  <a:schemeClr val="accent4"/>
+                </a:effectRef>
+                <a:fontRef idx="minor">
+                  <a:schemeClr val="dk1"/>
+                </a:fontRef>
+              </p:style>
+              <p:txBody>
+                <a:bodyPr wrap="none" rtlCol="0">
+                  <a:spAutoFit/>
+                </a:bodyPr>
+                <a:lstStyle/>
+                <a:p>
+                  <a:r>
+                    <a:rPr lang="en-US" b="1" dirty="0"/>
+                    <a:t>Receiver Service</a:t>
+                  </a:r>
+                </a:p>
+                <a:p>
+                  <a:pPr marL="285750" indent="-285750">
+                    <a:buFont typeface="Arial" panose="020B0604020202020204" pitchFamily="34" charset="0"/>
+                    <a:buChar char="•"/>
+                  </a:pPr>
+                  <a:r>
+                    <a:rPr lang="en-US" dirty="0" err="1"/>
+                    <a:t>getReceivers</a:t>
+                  </a:r>
+                  <a:r>
+                    <a:rPr lang="en-US" dirty="0"/>
+                    <a:t>()</a:t>
+                  </a:r>
+                </a:p>
+                <a:p>
+                  <a:pPr marL="285750" indent="-285750">
+                    <a:buFont typeface="Arial" panose="020B0604020202020204" pitchFamily="34" charset="0"/>
+                    <a:buChar char="•"/>
+                  </a:pPr>
+                  <a:r>
+                    <a:rPr lang="en-US" dirty="0" err="1"/>
+                    <a:t>getBeaconsOfReceiver</a:t>
+                  </a:r>
+                  <a:r>
+                    <a:rPr lang="en-US" dirty="0"/>
+                    <a:t>()</a:t>
+                  </a:r>
+                </a:p>
+              </p:txBody>
+            </p:sp>
+            <p:sp>
+              <p:nvSpPr>
+                <p:cNvPr id="27" name="TextBox 26">
+                  <a:extLst>
+                    <a:ext uri="{FF2B5EF4-FFF2-40B4-BE49-F238E27FC236}">
+                      <a16:creationId xmlns:a16="http://schemas.microsoft.com/office/drawing/2014/main" id="{1774888C-23AA-BB4D-B5F8-096630F931CD}"/>
+                    </a:ext>
+                  </a:extLst>
+                </p:cNvPr>
+                <p:cNvSpPr txBox="1"/>
+                <p:nvPr/>
+              </p:nvSpPr>
+              <p:spPr>
+                <a:xfrm>
+                  <a:off x="4942074" y="2576188"/>
+                  <a:ext cx="3265061" cy="369332"/>
+                </a:xfrm>
+                <a:prstGeom prst="rect">
+                  <a:avLst/>
+                </a:prstGeom>
+                <a:ln w="28575"/>
+              </p:spPr>
+              <p:style>
+                <a:lnRef idx="2">
+                  <a:schemeClr val="accent2">
+                    <a:shade val="50000"/>
+                  </a:schemeClr>
+                </a:lnRef>
+                <a:fillRef idx="1">
+                  <a:schemeClr val="accent2"/>
+                </a:fillRef>
+                <a:effectRef idx="0">
+                  <a:schemeClr val="accent2"/>
+                </a:effectRef>
+                <a:fontRef idx="minor">
+                  <a:schemeClr val="lt1"/>
+                </a:fontRef>
+              </p:style>
+              <p:txBody>
+                <a:bodyPr wrap="none" rtlCol="0">
+                  <a:spAutoFit/>
+                </a:bodyPr>
+                <a:lstStyle/>
+                <a:p>
+                  <a:r>
+                    <a:rPr lang="en-US" b="1" dirty="0"/>
+                    <a:t>State management -&gt; </a:t>
+                  </a:r>
+                  <a:r>
+                    <a:rPr lang="en-US" b="1" dirty="0" err="1"/>
+                    <a:t>RxJS</a:t>
+                  </a:r>
+                  <a:r>
+                    <a:rPr lang="en-US" b="1" dirty="0"/>
+                    <a:t> Store</a:t>
+                  </a:r>
+                  <a:endParaRPr lang="en-US" dirty="0"/>
+                </a:p>
+              </p:txBody>
+            </p:sp>
+            <p:cxnSp>
+              <p:nvCxnSpPr>
+                <p:cNvPr id="28" name="Straight Arrow Connector 27">
+                  <a:extLst>
+                    <a:ext uri="{FF2B5EF4-FFF2-40B4-BE49-F238E27FC236}">
+                      <a16:creationId xmlns:a16="http://schemas.microsoft.com/office/drawing/2014/main" id="{7979AF1F-B5F9-2D44-85D3-4A62ACA70CE9}"/>
+                    </a:ext>
+                  </a:extLst>
+                </p:cNvPr>
+                <p:cNvCxnSpPr>
+                  <a:cxnSpLocks/>
+                  <a:stCxn id="24" idx="2"/>
+                  <a:endCxn id="27" idx="0"/>
+                </p:cNvCxnSpPr>
+                <p:nvPr/>
+              </p:nvCxnSpPr>
+              <p:spPr>
+                <a:xfrm>
+                  <a:off x="6574605" y="1151930"/>
+                  <a:ext cx="0" cy="1424258"/>
+                </a:xfrm>
+                <a:prstGeom prst="straightConnector1">
+                  <a:avLst/>
+                </a:prstGeom>
+                <a:ln w="28575">
+                  <a:prstDash val="dashDot"/>
+                  <a:headEnd type="triangle"/>
+                  <a:tailEnd type="triangle"/>
+                </a:ln>
+              </p:spPr>
+              <p:style>
+                <a:lnRef idx="1">
+                  <a:schemeClr val="accent2"/>
+                </a:lnRef>
+                <a:fillRef idx="0">
+                  <a:schemeClr val="accent2"/>
+                </a:fillRef>
+                <a:effectRef idx="0">
+                  <a:schemeClr val="accent2"/>
+                </a:effectRef>
+                <a:fontRef idx="minor">
+                  <a:schemeClr val="tx1"/>
+                </a:fontRef>
+              </p:style>
+            </p:cxnSp>
+            <p:cxnSp>
+              <p:nvCxnSpPr>
+                <p:cNvPr id="29" name="Straight Arrow Connector 28">
+                  <a:extLst>
+                    <a:ext uri="{FF2B5EF4-FFF2-40B4-BE49-F238E27FC236}">
+                      <a16:creationId xmlns:a16="http://schemas.microsoft.com/office/drawing/2014/main" id="{D9D7A023-9DCD-0F4C-B34D-C863C5CD179A}"/>
+                    </a:ext>
+                  </a:extLst>
+                </p:cNvPr>
+                <p:cNvCxnSpPr>
+                  <a:cxnSpLocks/>
+                  <a:stCxn id="24" idx="3"/>
+                  <a:endCxn id="26" idx="1"/>
+                </p:cNvCxnSpPr>
+                <p:nvPr/>
+              </p:nvCxnSpPr>
+              <p:spPr>
+                <a:xfrm>
+                  <a:off x="8083223" y="690265"/>
+                  <a:ext cx="950439" cy="402231"/>
+                </a:xfrm>
+                <a:prstGeom prst="straightConnector1">
+                  <a:avLst/>
+                </a:prstGeom>
+                <a:ln w="28575">
+                  <a:prstDash val="dashDot"/>
+                  <a:tailEnd type="triangle"/>
+                </a:ln>
+              </p:spPr>
+              <p:style>
+                <a:lnRef idx="1">
+                  <a:schemeClr val="accent2"/>
+                </a:lnRef>
+                <a:fillRef idx="0">
+                  <a:schemeClr val="accent2"/>
+                </a:fillRef>
+                <a:effectRef idx="0">
+                  <a:schemeClr val="accent2"/>
+                </a:effectRef>
+                <a:fontRef idx="minor">
+                  <a:schemeClr val="tx1"/>
+                </a:fontRef>
+              </p:style>
+            </p:cxnSp>
+            <p:cxnSp>
+              <p:nvCxnSpPr>
+                <p:cNvPr id="30" name="Elbow Connector 29">
+                  <a:extLst>
+                    <a:ext uri="{FF2B5EF4-FFF2-40B4-BE49-F238E27FC236}">
+                      <a16:creationId xmlns:a16="http://schemas.microsoft.com/office/drawing/2014/main" id="{7EE93289-56CB-6043-8F54-12720ED7EC3B}"/>
+                    </a:ext>
+                  </a:extLst>
+                </p:cNvPr>
+                <p:cNvCxnSpPr>
+                  <a:stCxn id="31" idx="2"/>
+                  <a:endCxn id="36" idx="1"/>
+                </p:cNvCxnSpPr>
+                <p:nvPr/>
+              </p:nvCxnSpPr>
+              <p:spPr>
+                <a:xfrm rot="16200000" flipH="1">
+                  <a:off x="911957" y="1029618"/>
+                  <a:ext cx="1853024" cy="989651"/>
+                </a:xfrm>
+                <a:prstGeom prst="bentConnector2">
+                  <a:avLst/>
+                </a:prstGeom>
+                <a:ln w="28575">
+                  <a:tailEnd type="triangle"/>
+                </a:ln>
+              </p:spPr>
+              <p:style>
+                <a:lnRef idx="1">
+                  <a:schemeClr val="accent2"/>
+                </a:lnRef>
+                <a:fillRef idx="0">
+                  <a:schemeClr val="accent2"/>
+                </a:fillRef>
+                <a:effectRef idx="0">
+                  <a:schemeClr val="accent2"/>
+                </a:effectRef>
+                <a:fontRef idx="minor">
+                  <a:schemeClr val="tx1"/>
+                </a:fontRef>
+              </p:style>
+            </p:cxnSp>
+          </p:grpSp>
+          <p:sp>
+            <p:nvSpPr>
+              <p:cNvPr id="38" name="TextBox 37">
+                <a:extLst>
+                  <a:ext uri="{FF2B5EF4-FFF2-40B4-BE49-F238E27FC236}">
+                    <a16:creationId xmlns:a16="http://schemas.microsoft.com/office/drawing/2014/main" id="{16318948-592D-E848-B99F-D984169662E3}"/>
+                  </a:ext>
+                </a:extLst>
+              </p:cNvPr>
+              <p:cNvSpPr txBox="1"/>
+              <p:nvPr/>
+            </p:nvSpPr>
+            <p:spPr>
+              <a:xfrm>
+                <a:off x="9033662" y="2783376"/>
+                <a:ext cx="2715680" cy="923330"/>
+              </a:xfrm>
+              <a:prstGeom prst="rect">
+                <a:avLst/>
+              </a:prstGeom>
+              <a:ln w="28575">
+                <a:solidFill>
+                  <a:schemeClr val="accent1"/>
+                </a:solidFill>
+              </a:ln>
+            </p:spPr>
+            <p:style>
+              <a:lnRef idx="2">
+                <a:schemeClr val="accent4"/>
+              </a:lnRef>
+              <a:fillRef idx="1">
+                <a:schemeClr val="lt1"/>
+              </a:fillRef>
+              <a:effectRef idx="0">
+                <a:schemeClr val="accent4"/>
+              </a:effectRef>
+              <a:fontRef idx="minor">
+                <a:schemeClr val="dk1"/>
+              </a:fontRef>
+            </p:style>
+            <p:txBody>
+              <a:bodyPr wrap="none" rtlCol="0">
+                <a:spAutoFit/>
+              </a:bodyPr>
+              <a:lstStyle/>
+              <a:p>
+                <a:r>
+                  <a:rPr lang="en-US" b="1" dirty="0"/>
+                  <a:t>Mock Receiver Service</a:t>
+                </a:r>
+              </a:p>
+              <a:p>
+                <a:pPr marL="285750" indent="-285750">
+                  <a:buFont typeface="Arial" panose="020B0604020202020204" pitchFamily="34" charset="0"/>
+                  <a:buChar char="•"/>
+                </a:pPr>
+                <a:r>
+                  <a:rPr lang="en-US" dirty="0" err="1"/>
+                  <a:t>getReceivers</a:t>
+                </a:r>
+                <a:r>
+                  <a:rPr lang="en-US" dirty="0"/>
+                  <a:t>()</a:t>
+                </a:r>
+              </a:p>
+              <a:p>
+                <a:pPr marL="285750" indent="-285750">
+                  <a:buFont typeface="Arial" panose="020B0604020202020204" pitchFamily="34" charset="0"/>
+                  <a:buChar char="•"/>
+                </a:pPr>
+                <a:r>
+                  <a:rPr lang="en-US" dirty="0" err="1"/>
+                  <a:t>getBeaconsOfReceiver</a:t>
+                </a:r>
+                <a:r>
+                  <a:rPr lang="en-US" dirty="0"/>
+                  <a:t>()</a:t>
+                </a:r>
+              </a:p>
+            </p:txBody>
+          </p:sp>
+          <p:cxnSp>
+            <p:nvCxnSpPr>
+              <p:cNvPr id="39" name="Straight Arrow Connector 38">
+                <a:extLst>
+                  <a:ext uri="{FF2B5EF4-FFF2-40B4-BE49-F238E27FC236}">
+                    <a16:creationId xmlns:a16="http://schemas.microsoft.com/office/drawing/2014/main" id="{A0A74A8A-F6F7-B243-9106-9BB1E147E2CF}"/>
+                  </a:ext>
+                </a:extLst>
+              </p:cNvPr>
+              <p:cNvCxnSpPr>
+                <a:cxnSpLocks/>
+                <a:stCxn id="24" idx="3"/>
+                <a:endCxn id="38" idx="1"/>
+              </p:cNvCxnSpPr>
+              <p:nvPr/>
+            </p:nvCxnSpPr>
+            <p:spPr>
+              <a:xfrm>
+                <a:off x="8083223" y="1484350"/>
+                <a:ext cx="950439" cy="1760691"/>
+              </a:xfrm>
+              <a:prstGeom prst="straightConnector1">
+                <a:avLst/>
+              </a:prstGeom>
+              <a:ln w="28575">
+                <a:solidFill>
+                  <a:schemeClr val="accent1"/>
+                </a:solidFill>
+                <a:prstDash val="dashDot"/>
+                <a:tailEnd type="triangle"/>
+              </a:ln>
+            </p:spPr>
+            <p:style>
+              <a:lnRef idx="1">
+                <a:schemeClr val="accent2"/>
+              </a:lnRef>
+              <a:fillRef idx="0">
+                <a:schemeClr val="accent2"/>
+              </a:fillRef>
+              <a:effectRef idx="0">
+                <a:schemeClr val="accent2"/>
+              </a:effectRef>
+              <a:fontRef idx="minor">
+                <a:schemeClr val="tx1"/>
+              </a:fontRef>
+            </p:style>
+          </p:cxnSp>
+          <p:sp>
+            <p:nvSpPr>
+              <p:cNvPr id="19" name="TextBox 18">
+                <a:extLst>
+                  <a:ext uri="{FF2B5EF4-FFF2-40B4-BE49-F238E27FC236}">
+                    <a16:creationId xmlns:a16="http://schemas.microsoft.com/office/drawing/2014/main" id="{27EBB15A-FAE4-3E48-9219-8CBFF1EDD472}"/>
+                  </a:ext>
+                </a:extLst>
+              </p:cNvPr>
+              <p:cNvSpPr txBox="1"/>
+              <p:nvPr/>
+            </p:nvSpPr>
+            <p:spPr>
+              <a:xfrm>
+                <a:off x="9033662" y="4559047"/>
+                <a:ext cx="2715680" cy="369332"/>
+              </a:xfrm>
+              <a:prstGeom prst="rect">
+                <a:avLst/>
+              </a:prstGeom>
+              <a:ln w="28575">
+                <a:solidFill>
+                  <a:schemeClr val="accent1"/>
+                </a:solidFill>
+              </a:ln>
+            </p:spPr>
+            <p:style>
+              <a:lnRef idx="2">
+                <a:schemeClr val="accent4"/>
+              </a:lnRef>
+              <a:fillRef idx="1">
+                <a:schemeClr val="lt1"/>
+              </a:fillRef>
+              <a:effectRef idx="0">
+                <a:schemeClr val="accent4"/>
+              </a:effectRef>
+              <a:fontRef idx="minor">
+                <a:schemeClr val="dk1"/>
+              </a:fontRef>
+            </p:style>
+            <p:txBody>
+              <a:bodyPr wrap="square" rtlCol="0">
+                <a:spAutoFit/>
+              </a:bodyPr>
+              <a:lstStyle/>
+              <a:p>
+                <a:r>
+                  <a:rPr lang="en-US" b="1" dirty="0"/>
+                  <a:t>Receiver Spy Service</a:t>
+                </a:r>
+              </a:p>
+            </p:txBody>
+          </p:sp>
+          <p:sp>
+            <p:nvSpPr>
+              <p:cNvPr id="21" name="TextBox 20">
+                <a:extLst>
+                  <a:ext uri="{FF2B5EF4-FFF2-40B4-BE49-F238E27FC236}">
+                    <a16:creationId xmlns:a16="http://schemas.microsoft.com/office/drawing/2014/main" id="{475352AD-7B39-8145-9C1F-C087B14B048D}"/>
+                  </a:ext>
+                </a:extLst>
+              </p:cNvPr>
+              <p:cNvSpPr txBox="1"/>
+              <p:nvPr/>
+            </p:nvSpPr>
+            <p:spPr>
+              <a:xfrm>
+                <a:off x="4817520" y="5292535"/>
+                <a:ext cx="3514167" cy="369332"/>
+              </a:xfrm>
+              <a:prstGeom prst="rect">
+                <a:avLst/>
+              </a:prstGeom>
+              <a:ln w="28575">
+                <a:solidFill>
+                  <a:schemeClr val="accent1"/>
+                </a:solidFill>
+              </a:ln>
+            </p:spPr>
+            <p:style>
+              <a:lnRef idx="2">
+                <a:schemeClr val="accent4"/>
+              </a:lnRef>
+              <a:fillRef idx="1">
+                <a:schemeClr val="lt1"/>
+              </a:fillRef>
+              <a:effectRef idx="0">
+                <a:schemeClr val="accent4"/>
+              </a:effectRef>
+              <a:fontRef idx="minor">
+                <a:schemeClr val="dk1"/>
+              </a:fontRef>
+            </p:style>
+            <p:txBody>
+              <a:bodyPr wrap="none" rtlCol="0">
+                <a:spAutoFit/>
+              </a:bodyPr>
+              <a:lstStyle/>
+              <a:p>
+                <a:r>
+                  <a:rPr lang="en-US" b="1" dirty="0"/>
+                  <a:t>Beacon-</a:t>
+                </a:r>
+                <a:r>
+                  <a:rPr lang="en-US" b="1" dirty="0" err="1"/>
+                  <a:t>visualisation</a:t>
+                </a:r>
+                <a:r>
+                  <a:rPr lang="en-US" b="1" dirty="0"/>
+                  <a:t> Sandbox Spec</a:t>
+                </a:r>
+              </a:p>
+            </p:txBody>
+          </p:sp>
+          <p:cxnSp>
+            <p:nvCxnSpPr>
+              <p:cNvPr id="37" name="Straight Arrow Connector 36">
+                <a:extLst>
+                  <a:ext uri="{FF2B5EF4-FFF2-40B4-BE49-F238E27FC236}">
+                    <a16:creationId xmlns:a16="http://schemas.microsoft.com/office/drawing/2014/main" id="{76BE241D-8B92-7F4D-B647-D5B907E33747}"/>
+                  </a:ext>
+                </a:extLst>
+              </p:cNvPr>
+              <p:cNvCxnSpPr>
+                <a:cxnSpLocks/>
+                <a:stCxn id="21" idx="3"/>
+                <a:endCxn id="19" idx="2"/>
+              </p:cNvCxnSpPr>
+              <p:nvPr/>
+            </p:nvCxnSpPr>
+            <p:spPr>
+              <a:xfrm flipV="1">
+                <a:off x="8331687" y="4928379"/>
+                <a:ext cx="2059815" cy="548822"/>
+              </a:xfrm>
+              <a:prstGeom prst="straightConnector1">
+                <a:avLst/>
+              </a:prstGeom>
+              <a:ln w="28575">
+                <a:solidFill>
+                  <a:schemeClr val="accent1"/>
+                </a:solidFill>
+                <a:prstDash val="dashDot"/>
+                <a:tailEnd type="triangle"/>
+              </a:ln>
+            </p:spPr>
+            <p:style>
+              <a:lnRef idx="1">
+                <a:schemeClr val="accent2"/>
+              </a:lnRef>
+              <a:fillRef idx="0">
+                <a:schemeClr val="accent2"/>
+              </a:fillRef>
+              <a:effectRef idx="0">
+                <a:schemeClr val="accent2"/>
+              </a:effectRef>
+              <a:fontRef idx="minor">
+                <a:schemeClr val="tx1"/>
+              </a:fontRef>
+            </p:style>
+          </p:cxnSp>
+          <p:cxnSp>
+            <p:nvCxnSpPr>
+              <p:cNvPr id="40" name="Straight Arrow Connector 39">
+                <a:extLst>
+                  <a:ext uri="{FF2B5EF4-FFF2-40B4-BE49-F238E27FC236}">
+                    <a16:creationId xmlns:a16="http://schemas.microsoft.com/office/drawing/2014/main" id="{C0373108-901A-7341-83B0-FA87904E7E57}"/>
+                  </a:ext>
+                </a:extLst>
+              </p:cNvPr>
+              <p:cNvCxnSpPr>
+                <a:cxnSpLocks/>
+                <a:stCxn id="19" idx="0"/>
+                <a:endCxn id="38" idx="2"/>
+              </p:cNvCxnSpPr>
+              <p:nvPr/>
+            </p:nvCxnSpPr>
+            <p:spPr>
+              <a:xfrm flipV="1">
+                <a:off x="10391502" y="3706706"/>
+                <a:ext cx="0" cy="852341"/>
+              </a:xfrm>
+              <a:prstGeom prst="straightConnector1">
+                <a:avLst/>
+              </a:prstGeom>
+              <a:ln w="28575">
+                <a:solidFill>
+                  <a:schemeClr val="accent1"/>
+                </a:solidFill>
+                <a:prstDash val="dashDot"/>
+                <a:tailEnd type="triangle"/>
+              </a:ln>
+            </p:spPr>
+            <p:style>
+              <a:lnRef idx="1">
+                <a:schemeClr val="accent2"/>
+              </a:lnRef>
+              <a:fillRef idx="0">
+                <a:schemeClr val="accent2"/>
+              </a:fillRef>
+              <a:effectRef idx="0">
+                <a:schemeClr val="accent2"/>
+              </a:effectRef>
+              <a:fontRef idx="minor">
+                <a:schemeClr val="tx1"/>
+              </a:fontRef>
+            </p:style>
+          </p:cxnSp>
+        </p:grpSp>
+        <p:sp>
+          <p:nvSpPr>
+            <p:cNvPr id="41" name="TextBox 40">
+              <a:extLst>
+                <a:ext uri="{FF2B5EF4-FFF2-40B4-BE49-F238E27FC236}">
+                  <a16:creationId xmlns:a16="http://schemas.microsoft.com/office/drawing/2014/main" id="{9AF406EA-53CD-7F47-BB77-35E368E20963}"/>
+                </a:ext>
+              </a:extLst>
+            </p:cNvPr>
+            <p:cNvSpPr txBox="1"/>
+            <p:nvPr/>
+          </p:nvSpPr>
+          <p:spPr>
+            <a:xfrm>
+              <a:off x="264693" y="165360"/>
+              <a:ext cx="2157899" cy="369332"/>
+            </a:xfrm>
+            <a:prstGeom prst="rect">
+              <a:avLst/>
+            </a:prstGeom>
+            <a:ln w="28575"/>
+          </p:spPr>
+          <p:style>
+            <a:lnRef idx="2">
+              <a:schemeClr val="accent2"/>
+            </a:lnRef>
+            <a:fillRef idx="1">
+              <a:schemeClr val="lt1"/>
+            </a:fillRef>
+            <a:effectRef idx="0">
+              <a:schemeClr val="accent2"/>
+            </a:effectRef>
+            <a:fontRef idx="minor">
+              <a:schemeClr val="dk1"/>
+            </a:fontRef>
+          </p:style>
+          <p:txBody>
+            <a:bodyPr wrap="square" rtlCol="0">
               <a:spAutoFit/>
             </a:bodyPr>
             <a:lstStyle/>
             <a:p>
               <a:r>
                 <a:rPr lang="en-US" b="1" dirty="0"/>
-                <a:t>State management -&gt; </a:t>
+                <a:t>Environment</a:t>
               </a:r>
-              <a:r>
-                <a:rPr lang="en-US" b="1" dirty="0" err="1"/>
-                <a:t>RxJS</a:t>
-              </a:r>
-              <a:r>
-                <a:rPr lang="en-US" b="1" dirty="0"/>
-                <a:t> Store</a:t>
-              </a:r>
-              <a:endParaRPr lang="en-US" dirty="0"/>
             </a:p>
           </p:txBody>
         </p:sp>
-        <p:cxnSp>
-          <p:nvCxnSpPr>
-            <p:cNvPr id="28" name="Straight Arrow Connector 27">
+        <p:sp>
+          <p:nvSpPr>
+            <p:cNvPr id="42" name="TextBox 41">
               <a:extLst>
                 <a:ext uri="{FF2B5EF4-FFF2-40B4-BE49-F238E27FC236}">
-                  <a16:creationId xmlns:a16="http://schemas.microsoft.com/office/drawing/2014/main" id="{7979AF1F-B5F9-2D44-85D3-4A62ACA70CE9}"/>
+                  <a16:creationId xmlns:a16="http://schemas.microsoft.com/office/drawing/2014/main" id="{2F7DA2BC-B122-A542-8569-7CD5E1464546}"/>
                 </a:ext>
               </a:extLst>
             </p:cNvPr>
-            <p:cNvCxnSpPr>
-              <a:cxnSpLocks/>
-              <a:stCxn id="24" idx="2"/>
-              <a:endCxn id="27" idx="0"/>
-            </p:cNvCxnSpPr>
+            <p:cNvSpPr txBox="1"/>
             <p:nvPr/>
-          </p:nvCxnSpPr>
+          </p:nvSpPr>
           <p:spPr>
             <a:xfrm>
-              <a:off x="6574605" y="1151930"/>
-              <a:ext cx="0" cy="1424258"/>
+              <a:off x="3863124" y="165360"/>
+              <a:ext cx="2157899" cy="369332"/>
             </a:xfrm>
-            <a:prstGeom prst="straightConnector1">
+            <a:prstGeom prst="rect">
               <a:avLst/>
             </a:prstGeom>
-            <a:ln w="28575">
-              <a:prstDash val="dashDot"/>
-              <a:headEnd type="triangle"/>
-              <a:tailEnd type="triangle"/>
-            </a:ln>
+            <a:ln w="28575"/>
           </p:spPr>
           <p:style>
-            <a:lnRef idx="1">
+            <a:lnRef idx="2">
               <a:schemeClr val="accent2"/>
             </a:lnRef>
-            <a:fillRef idx="0">
-              <a:schemeClr val="accent2"/>
+            <a:fillRef idx="1">
+              <a:schemeClr val="lt1"/>
             </a:fillRef>
             <a:effectRef idx="0">
               <a:schemeClr val="accent2"/>
             </a:effectRef>
             <a:fontRef idx="minor">
-              <a:schemeClr val="tx1"/>
+              <a:schemeClr val="dk1"/>
             </a:fontRef>
           </p:style>
-        </p:cxnSp>
-        <p:cxnSp>
-          <p:nvCxnSpPr>
-            <p:cNvPr id="29" name="Straight Arrow Connector 28">
+          <p:txBody>
+            <a:bodyPr wrap="square" rtlCol="0">
+              <a:spAutoFit/>
+            </a:bodyPr>
+            <a:lstStyle/>
+            <a:p>
+              <a:r>
+                <a:rPr lang="en-US" b="1" dirty="0" err="1"/>
+                <a:t>Environment.prod</a:t>
+              </a:r>
+              <a:endParaRPr lang="en-US" b="1" dirty="0"/>
+            </a:p>
+          </p:txBody>
+        </p:sp>
+        <p:sp>
+          <p:nvSpPr>
+            <p:cNvPr id="43" name="TextBox 42">
               <a:extLst>
                 <a:ext uri="{FF2B5EF4-FFF2-40B4-BE49-F238E27FC236}">
-                  <a16:creationId xmlns:a16="http://schemas.microsoft.com/office/drawing/2014/main" id="{D9D7A023-9DCD-0F4C-B34D-C863C5CD179A}"/>
+                  <a16:creationId xmlns:a16="http://schemas.microsoft.com/office/drawing/2014/main" id="{A03E9267-03B3-8F48-9412-A313733973CE}"/>
                 </a:ext>
               </a:extLst>
             </p:cNvPr>
-            <p:cNvCxnSpPr>
-              <a:cxnSpLocks/>
-              <a:stCxn id="24" idx="3"/>
-              <a:endCxn id="26" idx="1"/>
-            </p:cNvCxnSpPr>
+            <p:cNvSpPr txBox="1"/>
             <p:nvPr/>
-          </p:nvCxnSpPr>
+          </p:nvSpPr>
           <p:spPr>
             <a:xfrm>
-              <a:off x="8083223" y="690265"/>
-              <a:ext cx="950439" cy="402231"/>
+              <a:off x="7479492" y="165360"/>
+              <a:ext cx="2350308" cy="369332"/>
             </a:xfrm>
-            <a:prstGeom prst="straightConnector1">
+            <a:prstGeom prst="rect">
               <a:avLst/>
             </a:prstGeom>
             <a:ln w="28575">
-              <a:prstDash val="dashDot"/>
-              <a:tailEnd type="triangle"/>
+              <a:solidFill>
+                <a:schemeClr val="accent1"/>
+              </a:solidFill>
             </a:ln>
           </p:spPr>
           <p:style>
-            <a:lnRef idx="1">
+            <a:lnRef idx="2">
               <a:schemeClr val="accent2"/>
             </a:lnRef>
-            <a:fillRef idx="0">
-              <a:schemeClr val="accent2"/>
+            <a:fillRef idx="1">
+              <a:schemeClr val="lt1"/>
             </a:fillRef>
             <a:effectRef idx="0">
               <a:schemeClr val="accent2"/>
             </a:effectRef>
             <a:fontRef idx="minor">
-              <a:schemeClr val="tx1"/>
+              <a:schemeClr val="dk1"/>
             </a:fontRef>
           </p:style>
-        </p:cxnSp>
-        <p:cxnSp>
-          <p:nvCxnSpPr>
-            <p:cNvPr id="30" name="Elbow Connector 29">
-              <a:extLst>
-                <a:ext uri="{FF2B5EF4-FFF2-40B4-BE49-F238E27FC236}">
-                  <a16:creationId xmlns:a16="http://schemas.microsoft.com/office/drawing/2014/main" id="{7EE93289-56CB-6043-8F54-12720ED7EC3B}"/>
-                </a:ext>
-              </a:extLst>
-            </p:cNvPr>
-            <p:cNvCxnSpPr>
-              <a:stCxn id="31" idx="2"/>
-              <a:endCxn id="36" idx="1"/>
-            </p:cNvCxnSpPr>
-            <p:nvPr/>
-          </p:nvCxnSpPr>
-          <p:spPr>
-            <a:xfrm rot="16200000" flipH="1">
-              <a:off x="911957" y="1029618"/>
-              <a:ext cx="1853024" cy="989651"/>
-            </a:xfrm>
-            <a:prstGeom prst="bentConnector2">
-              <a:avLst/>
-            </a:prstGeom>
-            <a:ln w="28575">
-              <a:tailEnd type="triangle"/>
-            </a:ln>
-          </p:spPr>
-          <p:style>
-            <a:lnRef idx="1">
-              <a:schemeClr val="accent2"/>
-            </a:lnRef>
-            <a:fillRef idx="0">
-              <a:schemeClr val="accent2"/>
-            </a:fillRef>
-            <a:effectRef idx="0">
-              <a:schemeClr val="accent2"/>
-            </a:effectRef>
-            <a:fontRef idx="minor">
-              <a:schemeClr val="tx1"/>
-            </a:fontRef>
-          </p:style>
-        </p:cxnSp>
+          <p:txBody>
+            <a:bodyPr wrap="square" rtlCol="0">
+              <a:spAutoFit/>
+            </a:bodyPr>
+            <a:lstStyle/>
+            <a:p>
+              <a:r>
+                <a:rPr lang="en-US" b="1" dirty="0" err="1"/>
+                <a:t>Environment.mocked</a:t>
+              </a:r>
+              <a:endParaRPr lang="en-US" b="1" dirty="0"/>
+            </a:p>
+          </p:txBody>
+        </p:sp>
       </p:grpSp>
-      <p:sp>
-        <p:nvSpPr>
-          <p:cNvPr id="38" name="TextBox 37">
-            <a:extLst>
-              <a:ext uri="{FF2B5EF4-FFF2-40B4-BE49-F238E27FC236}">
-                <a16:creationId xmlns:a16="http://schemas.microsoft.com/office/drawing/2014/main" id="{16318948-592D-E848-B99F-D984169662E3}"/>
-              </a:ext>
-            </a:extLst>
-          </p:cNvPr>
-          <p:cNvSpPr txBox="1"/>
-          <p:nvPr/>
-        </p:nvSpPr>
-        <p:spPr>
-          <a:xfrm>
-            <a:off x="9033662" y="2783376"/>
-            <a:ext cx="2715680" cy="923330"/>
-          </a:xfrm>
-          <a:prstGeom prst="rect">
-            <a:avLst/>
-          </a:prstGeom>
-          <a:ln w="28575">
-            <a:solidFill>
-              <a:schemeClr val="accent1"/>
-            </a:solidFill>
-          </a:ln>
-        </p:spPr>
-        <p:style>
-          <a:lnRef idx="2">
-            <a:schemeClr val="accent4"/>
-          </a:lnRef>
-          <a:fillRef idx="1">
-            <a:schemeClr val="lt1"/>
-          </a:fillRef>
-          <a:effectRef idx="0">
-            <a:schemeClr val="accent4"/>
-          </a:effectRef>
-          <a:fontRef idx="minor">
-            <a:schemeClr val="dk1"/>
-          </a:fontRef>
-        </p:style>
-        <p:txBody>
-          <a:bodyPr wrap="none" rtlCol="0">
-            <a:spAutoFit/>
-          </a:bodyPr>
-          <a:lstStyle/>
-          <a:p>
-            <a:r>
-              <a:rPr lang="en-US" b="1" dirty="0"/>
-              <a:t>Mock Receiver Service</a:t>
-            </a:r>
-          </a:p>
-          <a:p>
-            <a:pPr marL="285750" indent="-285750">
-              <a:buFont typeface="Arial" panose="020B0604020202020204" pitchFamily="34" charset="0"/>
-              <a:buChar char="•"/>
-            </a:pPr>
-            <a:r>
-              <a:rPr lang="en-US" dirty="0" err="1"/>
-              <a:t>getReceivers</a:t>
-            </a:r>
-            <a:r>
-              <a:rPr lang="en-US" dirty="0"/>
-              <a:t>()</a:t>
-            </a:r>
-          </a:p>
-          <a:p>
-            <a:pPr marL="285750" indent="-285750">
-              <a:buFont typeface="Arial" panose="020B0604020202020204" pitchFamily="34" charset="0"/>
-              <a:buChar char="•"/>
-            </a:pPr>
-            <a:r>
-              <a:rPr lang="en-US" dirty="0" err="1"/>
-              <a:t>getBeaconsOfReceiver</a:t>
-            </a:r>
-            <a:r>
-              <a:rPr lang="en-US" dirty="0"/>
-              <a:t>()</a:t>
-            </a:r>
-          </a:p>
-        </p:txBody>
-      </p:sp>
-      <p:cxnSp>
-        <p:nvCxnSpPr>
-          <p:cNvPr id="39" name="Straight Arrow Connector 38">
-            <a:extLst>
-              <a:ext uri="{FF2B5EF4-FFF2-40B4-BE49-F238E27FC236}">
-                <a16:creationId xmlns:a16="http://schemas.microsoft.com/office/drawing/2014/main" id="{A0A74A8A-F6F7-B243-9106-9BB1E147E2CF}"/>
-              </a:ext>
-            </a:extLst>
-          </p:cNvPr>
-          <p:cNvCxnSpPr>
-            <a:cxnSpLocks/>
-            <a:stCxn id="24" idx="3"/>
-            <a:endCxn id="38" idx="1"/>
-          </p:cNvCxnSpPr>
-          <p:nvPr/>
-        </p:nvCxnSpPr>
-        <p:spPr>
-          <a:xfrm>
-            <a:off x="8083223" y="1484350"/>
-            <a:ext cx="950439" cy="1760691"/>
-          </a:xfrm>
-          <a:prstGeom prst="straightConnector1">
-            <a:avLst/>
-          </a:prstGeom>
-          <a:ln w="28575">
-            <a:solidFill>
-              <a:schemeClr val="accent1"/>
-            </a:solidFill>
-            <a:prstDash val="dashDot"/>
-            <a:tailEnd type="triangle"/>
-          </a:ln>
-        </p:spPr>
-        <p:style>
-          <a:lnRef idx="1">
-            <a:schemeClr val="accent2"/>
-          </a:lnRef>
-          <a:fillRef idx="0">
-            <a:schemeClr val="accent2"/>
-          </a:fillRef>
-          <a:effectRef idx="0">
-            <a:schemeClr val="accent2"/>
-          </a:effectRef>
-          <a:fontRef idx="minor">
-            <a:schemeClr val="tx1"/>
-          </a:fontRef>
-        </p:style>
-      </p:cxnSp>
-      <p:sp>
-        <p:nvSpPr>
-          <p:cNvPr id="19" name="TextBox 18">
-            <a:extLst>
-              <a:ext uri="{FF2B5EF4-FFF2-40B4-BE49-F238E27FC236}">
-                <a16:creationId xmlns:a16="http://schemas.microsoft.com/office/drawing/2014/main" id="{27EBB15A-FAE4-3E48-9219-8CBFF1EDD472}"/>
-              </a:ext>
-            </a:extLst>
-          </p:cNvPr>
-          <p:cNvSpPr txBox="1"/>
-          <p:nvPr/>
-        </p:nvSpPr>
-        <p:spPr>
-          <a:xfrm>
-            <a:off x="9033662" y="4559047"/>
-            <a:ext cx="2715680" cy="369332"/>
-          </a:xfrm>
-          <a:prstGeom prst="rect">
-            <a:avLst/>
-          </a:prstGeom>
-          <a:ln w="28575">
-            <a:solidFill>
-              <a:schemeClr val="accent1"/>
-            </a:solidFill>
-          </a:ln>
-        </p:spPr>
-        <p:style>
-          <a:lnRef idx="2">
-            <a:schemeClr val="accent4"/>
-          </a:lnRef>
-          <a:fillRef idx="1">
-            <a:schemeClr val="lt1"/>
-          </a:fillRef>
-          <a:effectRef idx="0">
-            <a:schemeClr val="accent4"/>
-          </a:effectRef>
-          <a:fontRef idx="minor">
-            <a:schemeClr val="dk1"/>
-          </a:fontRef>
-        </p:style>
-        <p:txBody>
-          <a:bodyPr wrap="square" rtlCol="0">
-            <a:spAutoFit/>
-          </a:bodyPr>
-          <a:lstStyle/>
-          <a:p>
-            <a:r>
-              <a:rPr lang="en-US" b="1" dirty="0"/>
-              <a:t>Receiver Spy Service</a:t>
-            </a:r>
-          </a:p>
-        </p:txBody>
-      </p:sp>
-      <p:sp>
-        <p:nvSpPr>
-          <p:cNvPr id="21" name="TextBox 20">
-            <a:extLst>
-              <a:ext uri="{FF2B5EF4-FFF2-40B4-BE49-F238E27FC236}">
-                <a16:creationId xmlns:a16="http://schemas.microsoft.com/office/drawing/2014/main" id="{475352AD-7B39-8145-9C1F-C087B14B048D}"/>
-              </a:ext>
-            </a:extLst>
-          </p:cNvPr>
-          <p:cNvSpPr txBox="1"/>
-          <p:nvPr/>
-        </p:nvSpPr>
-        <p:spPr>
-          <a:xfrm>
-            <a:off x="4817520" y="5292535"/>
-            <a:ext cx="3514167" cy="369332"/>
-          </a:xfrm>
-          <a:prstGeom prst="rect">
-            <a:avLst/>
-          </a:prstGeom>
-          <a:ln w="28575">
-            <a:solidFill>
-              <a:schemeClr val="accent1"/>
-            </a:solidFill>
-          </a:ln>
-        </p:spPr>
-        <p:style>
-          <a:lnRef idx="2">
-            <a:schemeClr val="accent4"/>
-          </a:lnRef>
-          <a:fillRef idx="1">
-            <a:schemeClr val="lt1"/>
-          </a:fillRef>
-          <a:effectRef idx="0">
-            <a:schemeClr val="accent4"/>
-          </a:effectRef>
-          <a:fontRef idx="minor">
-            <a:schemeClr val="dk1"/>
-          </a:fontRef>
-        </p:style>
-        <p:txBody>
-          <a:bodyPr wrap="none" rtlCol="0">
-            <a:spAutoFit/>
-          </a:bodyPr>
-          <a:lstStyle/>
-          <a:p>
-            <a:r>
-              <a:rPr lang="en-US" b="1" dirty="0"/>
-              <a:t>Beacon-</a:t>
-            </a:r>
-            <a:r>
-              <a:rPr lang="en-US" b="1" dirty="0" err="1"/>
-              <a:t>visualisation</a:t>
-            </a:r>
-            <a:r>
-              <a:rPr lang="en-US" b="1" dirty="0"/>
-              <a:t> Sandbox Spec</a:t>
-            </a:r>
-          </a:p>
-        </p:txBody>
-      </p:sp>
     </p:spTree>
     <p:extLst>
       <p:ext uri="{BB962C8B-B14F-4D97-AF65-F5344CB8AC3E}">
